--- a/Documents/How to command a trajectory to an AV.pptx
+++ b/Documents/How to command a trajectory to an AV.pptx
@@ -14,7 +14,19 @@
     <p:sldId id="261" r:id="rId8"/>
     <p:sldId id="262" r:id="rId9"/>
     <p:sldId id="263" r:id="rId10"/>
-    <p:sldId id="264" r:id="rId11"/>
+    <p:sldId id="271" r:id="rId11"/>
+    <p:sldId id="270" r:id="rId12"/>
+    <p:sldId id="269" r:id="rId13"/>
+    <p:sldId id="268" r:id="rId14"/>
+    <p:sldId id="267" r:id="rId15"/>
+    <p:sldId id="266" r:id="rId16"/>
+    <p:sldId id="277" r:id="rId17"/>
+    <p:sldId id="276" r:id="rId18"/>
+    <p:sldId id="275" r:id="rId19"/>
+    <p:sldId id="274" r:id="rId20"/>
+    <p:sldId id="273" r:id="rId21"/>
+    <p:sldId id="272" r:id="rId22"/>
+    <p:sldId id="264" r:id="rId23"/>
   </p:sldIdLst>
   <p:sldSz cx="12192000" cy="6858000"/>
   <p:notesSz cx="7772400" cy="10058400"/>
@@ -119,6 +131,8 @@
 <file path=ppt/revisionInfo.xml><?xml version="1.0" encoding="utf-8"?>
 <p1510:revInfo xmlns:a="http://schemas.openxmlformats.org/drawingml/2006/main" xmlns:r="http://schemas.openxmlformats.org/officeDocument/2006/relationships" xmlns:p1510="http://schemas.microsoft.com/office/powerpoint/2015/10/main">
   <p1510:revLst>
+    <p1510:client id="{4D9CE86F-FDF3-4C8F-B25F-94B7C955ECC8}" v="419" dt="2022-07-01T17:19:45.145"/>
+    <p1510:client id="{A44FF97C-958E-BDDD-32DE-D3B008C32BA3}" v="486" dt="2022-07-01T16:26:22.874"/>
     <p1510:client id="{C2C78116-EC6B-8ACF-6EC2-8E48DC955A5B}" v="5" dt="2022-06-29T19:05:07.440"/>
   </p1510:revLst>
 </p1510:revInfo>
@@ -4134,6 +4148,2677 @@
 </p:sld>
 </file>
 
+<file path=ppt/slides/slide10.xml><?xml version="1.0" encoding="utf-8"?>
+<p:sld xmlns:a="http://schemas.openxmlformats.org/drawingml/2006/main" xmlns:r="http://schemas.openxmlformats.org/officeDocument/2006/relationships" xmlns:p="http://schemas.openxmlformats.org/presentationml/2006/main">
+  <p:cSld>
+    <p:spTree>
+      <p:nvGrpSpPr>
+        <p:cNvPr id="1" name=""/>
+        <p:cNvGrpSpPr/>
+        <p:nvPr/>
+      </p:nvGrpSpPr>
+      <p:grpSpPr>
+        <a:xfrm>
+          <a:off x="0" y="0"/>
+          <a:ext cx="0" cy="0"/>
+          <a:chOff x="0" y="0"/>
+          <a:chExt cx="0" cy="0"/>
+        </a:xfrm>
+      </p:grpSpPr>
+      <p:sp>
+        <p:nvSpPr>
+          <p:cNvPr id="81" name="CustomShape 1"/>
+          <p:cNvSpPr/>
+          <p:nvPr/>
+        </p:nvSpPr>
+        <p:spPr>
+          <a:xfrm>
+            <a:off x="231547" y="306258"/>
+            <a:ext cx="10514520" cy="1324440"/>
+          </a:xfrm>
+          <a:prstGeom prst="rect">
+            <a:avLst/>
+          </a:prstGeom>
+          <a:noFill/>
+          <a:ln>
+            <a:noFill/>
+          </a:ln>
+        </p:spPr>
+        <p:style>
+          <a:lnRef idx="0">
+            <a:scrgbClr r="0" g="0" b="0"/>
+          </a:lnRef>
+          <a:fillRef idx="0">
+            <a:scrgbClr r="0" g="0" b="0"/>
+          </a:fillRef>
+          <a:effectRef idx="0">
+            <a:scrgbClr r="0" g="0" b="0"/>
+          </a:effectRef>
+          <a:fontRef idx="minor"/>
+        </p:style>
+        <p:txBody>
+          <a:bodyPr lIns="90000" tIns="45000" rIns="90000" bIns="45000" anchor="ctr">
+            <a:normAutofit/>
+          </a:bodyPr>
+          <a:lstStyle/>
+          <a:p>
+            <a:pPr>
+              <a:lnSpc>
+                <a:spcPct val="90000"/>
+              </a:lnSpc>
+            </a:pPr>
+            <a:r>
+              <a:rPr lang="en-US" sz="4400" b="0" strike="noStrike" spc="-1">
+                <a:solidFill>
+                  <a:srgbClr val="000000"/>
+                </a:solidFill>
+                <a:latin typeface="Calibri Light"/>
+                <a:ea typeface="DejaVu Sans"/>
+              </a:rPr>
+              <a:t>Step 1. Navigate to the folder of data files and script, open a terminal.   </a:t>
+            </a:r>
+            <a:endParaRPr lang="en-US" sz="4400" b="0" strike="noStrike" spc="-1">
+              <a:latin typeface="Arial"/>
+            </a:endParaRPr>
+          </a:p>
+        </p:txBody>
+      </p:sp>
+      <p:pic>
+        <p:nvPicPr>
+          <p:cNvPr id="2" name="Picture 2" descr="Text&#10;&#10;Description automatically generated">
+            <a:extLst>
+              <a:ext uri="{FF2B5EF4-FFF2-40B4-BE49-F238E27FC236}">
+                <a16:creationId xmlns:a16="http://schemas.microsoft.com/office/drawing/2014/main" id="{DDB94813-A3B2-A564-8B57-A0B18DA49E93}"/>
+              </a:ext>
+            </a:extLst>
+          </p:cNvPr>
+          <p:cNvPicPr>
+            <a:picLocks noChangeAspect="1"/>
+          </p:cNvPicPr>
+          <p:nvPr/>
+        </p:nvPicPr>
+        <p:blipFill rotWithShape="1">
+          <a:blip r:embed="rId2"/>
+          <a:srcRect r="321" b="78261"/>
+          <a:stretch/>
+        </p:blipFill>
+        <p:spPr>
+          <a:xfrm>
+            <a:off x="1553705" y="2471888"/>
+            <a:ext cx="9162088" cy="1329471"/>
+          </a:xfrm>
+          <a:prstGeom prst="rect">
+            <a:avLst/>
+          </a:prstGeom>
+        </p:spPr>
+      </p:pic>
+    </p:spTree>
+    <p:extLst>
+      <p:ext uri="{BB962C8B-B14F-4D97-AF65-F5344CB8AC3E}">
+        <p14:creationId xmlns:p14="http://schemas.microsoft.com/office/powerpoint/2010/main" val="76540950"/>
+      </p:ext>
+    </p:extLst>
+  </p:cSld>
+  <p:clrMapOvr>
+    <a:masterClrMapping/>
+  </p:clrMapOvr>
+  <p:timing>
+    <p:tnLst>
+      <p:par>
+        <p:cTn id="1" dur="indefinite" restart="never" nodeType="tmRoot">
+          <p:childTnLst>
+            <p:seq>
+              <p:cTn id="2" dur="indefinite" nodeType="mainSeq"/>
+              <p:prevCondLst>
+                <p:cond evt="onPrev" delay="0">
+                  <p:tgtEl>
+                    <p:sldTgt/>
+                  </p:tgtEl>
+                </p:cond>
+              </p:prevCondLst>
+              <p:nextCondLst>
+                <p:cond evt="onNext" delay="0">
+                  <p:tgtEl>
+                    <p:sldTgt/>
+                  </p:tgtEl>
+                </p:cond>
+              </p:nextCondLst>
+            </p:seq>
+          </p:childTnLst>
+        </p:cTn>
+      </p:par>
+    </p:tnLst>
+  </p:timing>
+</p:sld>
+</file>
+
+<file path=ppt/slides/slide11.xml><?xml version="1.0" encoding="utf-8"?>
+<p:sld xmlns:a="http://schemas.openxmlformats.org/drawingml/2006/main" xmlns:r="http://schemas.openxmlformats.org/officeDocument/2006/relationships" xmlns:p="http://schemas.openxmlformats.org/presentationml/2006/main">
+  <p:cSld>
+    <p:spTree>
+      <p:nvGrpSpPr>
+        <p:cNvPr id="1" name=""/>
+        <p:cNvGrpSpPr/>
+        <p:nvPr/>
+      </p:nvGrpSpPr>
+      <p:grpSpPr>
+        <a:xfrm>
+          <a:off x="0" y="0"/>
+          <a:ext cx="0" cy="0"/>
+          <a:chOff x="0" y="0"/>
+          <a:chExt cx="0" cy="0"/>
+        </a:xfrm>
+      </p:grpSpPr>
+      <p:sp>
+        <p:nvSpPr>
+          <p:cNvPr id="83" name="CustomShape 1"/>
+          <p:cNvSpPr/>
+          <p:nvPr/>
+        </p:nvSpPr>
+        <p:spPr>
+          <a:xfrm>
+            <a:off x="208848" y="99501"/>
+            <a:ext cx="11304360" cy="1324440"/>
+          </a:xfrm>
+          <a:prstGeom prst="rect">
+            <a:avLst/>
+          </a:prstGeom>
+          <a:noFill/>
+          <a:ln>
+            <a:noFill/>
+          </a:ln>
+        </p:spPr>
+        <p:style>
+          <a:lnRef idx="0">
+            <a:scrgbClr r="0" g="0" b="0"/>
+          </a:lnRef>
+          <a:fillRef idx="0">
+            <a:scrgbClr r="0" g="0" b="0"/>
+          </a:fillRef>
+          <a:effectRef idx="0">
+            <a:scrgbClr r="0" g="0" b="0"/>
+          </a:effectRef>
+          <a:fontRef idx="minor"/>
+        </p:style>
+        <p:txBody>
+          <a:bodyPr lIns="90000" tIns="45000" rIns="90000" bIns="45000" anchor="ctr">
+            <a:noAutofit/>
+          </a:bodyPr>
+          <a:lstStyle/>
+          <a:p>
+            <a:pPr>
+              <a:lnSpc>
+                <a:spcPct val="90000"/>
+              </a:lnSpc>
+            </a:pPr>
+            <a:r>
+              <a:rPr lang="en-US" sz="2600" b="0" strike="noStrike" spc="-1">
+                <a:solidFill>
+                  <a:srgbClr val="000000"/>
+                </a:solidFill>
+                <a:latin typeface="Calibri Light"/>
+                <a:ea typeface="DejaVu Sans"/>
+              </a:rPr>
+              <a:t>Step 2. Run the script by running command "python3 script_testFcn_fcn_CommandVehTrajectory.py</a:t>
+            </a:r>
+            <a:r>
+              <a:rPr lang="en-US" sz="2600" b="0" strike="noStrike" spc="-1">
+                <a:solidFill>
+                  <a:srgbClr val="000000"/>
+                </a:solidFill>
+                <a:latin typeface="Calibri Light"/>
+                <a:ea typeface="Calibri Light"/>
+              </a:rPr>
+              <a:t>". This script calls the function fcn_CommandVehTrajectory.py, which calls SUMO using python API, takes user's input of commanded trajectory in x and y, and run the simulation. </a:t>
+            </a:r>
+            <a:endParaRPr lang="en-US" sz="2600" b="0" strike="noStrike" spc="-1">
+              <a:latin typeface="Arial"/>
+            </a:endParaRPr>
+          </a:p>
+        </p:txBody>
+      </p:sp>
+      <p:pic>
+        <p:nvPicPr>
+          <p:cNvPr id="3" name="Picture 3" descr="Graphical user interface, text, application, email&#10;&#10;Description automatically generated">
+            <a:extLst>
+              <a:ext uri="{FF2B5EF4-FFF2-40B4-BE49-F238E27FC236}">
+                <a16:creationId xmlns:a16="http://schemas.microsoft.com/office/drawing/2014/main" id="{481B0232-08A5-9CCB-F855-557672DC5A14}"/>
+              </a:ext>
+            </a:extLst>
+          </p:cNvPr>
+          <p:cNvPicPr>
+            <a:picLocks noChangeAspect="1"/>
+          </p:cNvPicPr>
+          <p:nvPr/>
+        </p:nvPicPr>
+        <p:blipFill>
+          <a:blip r:embed="rId2"/>
+          <a:stretch>
+            <a:fillRect/>
+          </a:stretch>
+        </p:blipFill>
+        <p:spPr>
+          <a:xfrm>
+            <a:off x="442685" y="1560380"/>
+            <a:ext cx="11379200" cy="5087070"/>
+          </a:xfrm>
+          <a:prstGeom prst="rect">
+            <a:avLst/>
+          </a:prstGeom>
+        </p:spPr>
+      </p:pic>
+    </p:spTree>
+    <p:extLst>
+      <p:ext uri="{BB962C8B-B14F-4D97-AF65-F5344CB8AC3E}">
+        <p14:creationId xmlns:p14="http://schemas.microsoft.com/office/powerpoint/2010/main" val="606005920"/>
+      </p:ext>
+    </p:extLst>
+  </p:cSld>
+  <p:clrMapOvr>
+    <a:masterClrMapping/>
+  </p:clrMapOvr>
+  <p:timing>
+    <p:tnLst>
+      <p:par>
+        <p:cTn id="1" dur="indefinite" restart="never" nodeType="tmRoot">
+          <p:childTnLst>
+            <p:seq>
+              <p:cTn id="2" dur="indefinite" nodeType="mainSeq"/>
+              <p:prevCondLst>
+                <p:cond evt="onPrev" delay="0">
+                  <p:tgtEl>
+                    <p:sldTgt/>
+                  </p:tgtEl>
+                </p:cond>
+              </p:prevCondLst>
+              <p:nextCondLst>
+                <p:cond evt="onNext" delay="0">
+                  <p:tgtEl>
+                    <p:sldTgt/>
+                  </p:tgtEl>
+                </p:cond>
+              </p:nextCondLst>
+            </p:seq>
+          </p:childTnLst>
+        </p:cTn>
+      </p:par>
+    </p:tnLst>
+  </p:timing>
+</p:sld>
+</file>
+
+<file path=ppt/slides/slide12.xml><?xml version="1.0" encoding="utf-8"?>
+<p:sld xmlns:a="http://schemas.openxmlformats.org/drawingml/2006/main" xmlns:r="http://schemas.openxmlformats.org/officeDocument/2006/relationships" xmlns:p="http://schemas.openxmlformats.org/presentationml/2006/main">
+  <p:cSld>
+    <p:spTree>
+      <p:nvGrpSpPr>
+        <p:cNvPr id="1" name=""/>
+        <p:cNvGrpSpPr/>
+        <p:nvPr/>
+      </p:nvGrpSpPr>
+      <p:grpSpPr>
+        <a:xfrm>
+          <a:off x="0" y="0"/>
+          <a:ext cx="0" cy="0"/>
+          <a:chOff x="0" y="0"/>
+          <a:chExt cx="0" cy="0"/>
+        </a:xfrm>
+      </p:grpSpPr>
+      <p:sp>
+        <p:nvSpPr>
+          <p:cNvPr id="85" name="CustomShape 1"/>
+          <p:cNvSpPr/>
+          <p:nvPr/>
+        </p:nvSpPr>
+        <p:spPr>
+          <a:xfrm>
+            <a:off x="306720" y="176400"/>
+            <a:ext cx="11304360" cy="1324440"/>
+          </a:xfrm>
+          <a:prstGeom prst="rect">
+            <a:avLst/>
+          </a:prstGeom>
+          <a:noFill/>
+          <a:ln>
+            <a:noFill/>
+          </a:ln>
+        </p:spPr>
+        <p:style>
+          <a:lnRef idx="0">
+            <a:scrgbClr r="0" g="0" b="0"/>
+          </a:lnRef>
+          <a:fillRef idx="0">
+            <a:scrgbClr r="0" g="0" b="0"/>
+          </a:fillRef>
+          <a:effectRef idx="0">
+            <a:scrgbClr r="0" g="0" b="0"/>
+          </a:effectRef>
+          <a:fontRef idx="minor"/>
+        </p:style>
+        <p:txBody>
+          <a:bodyPr lIns="90000" tIns="45000" rIns="90000" bIns="45000" anchor="ctr">
+            <a:normAutofit fontScale="92500" lnSpcReduction="10000"/>
+          </a:bodyPr>
+          <a:lstStyle/>
+          <a:p>
+            <a:pPr>
+              <a:lnSpc>
+                <a:spcPct val="90000"/>
+              </a:lnSpc>
+            </a:pPr>
+            <a:r>
+              <a:rPr lang="en-US" sz="2600" b="0" strike="noStrike" spc="-1" dirty="0">
+                <a:solidFill>
+                  <a:srgbClr val="000000"/>
+                </a:solidFill>
+                <a:latin typeface="Calibri Light"/>
+                <a:ea typeface="DejaVu Sans"/>
+              </a:rPr>
+              <a:t>Step 2. Run the script by running command "python3 script_testFcn_fcn_CommandVehTrajectory.py</a:t>
+            </a:r>
+            <a:r>
+              <a:rPr lang="en-US" sz="2600" b="0" strike="noStrike" spc="-1" dirty="0">
+                <a:solidFill>
+                  <a:srgbClr val="000000"/>
+                </a:solidFill>
+                <a:latin typeface="Calibri Light"/>
+                <a:ea typeface="Calibri Light"/>
+              </a:rPr>
+              <a:t>". This script calls the function fcn_CommandVehTrajectory.py, which calls SUMO using python API, takes user's input of commanded trajectory in x and y, and run the simulation. </a:t>
+            </a:r>
+            <a:endParaRPr lang="en-US" sz="2600" b="0" strike="noStrike" spc="-1">
+              <a:latin typeface="Arial"/>
+            </a:endParaRPr>
+          </a:p>
+        </p:txBody>
+      </p:sp>
+      <p:sp>
+        <p:nvSpPr>
+          <p:cNvPr id="3" name="TextBox 2">
+            <a:extLst>
+              <a:ext uri="{FF2B5EF4-FFF2-40B4-BE49-F238E27FC236}">
+                <a16:creationId xmlns:a16="http://schemas.microsoft.com/office/drawing/2014/main" id="{4C949E2C-47D4-18C2-AFAF-5D76118B1A39}"/>
+              </a:ext>
+            </a:extLst>
+          </p:cNvPr>
+          <p:cNvSpPr txBox="1"/>
+          <p:nvPr/>
+        </p:nvSpPr>
+        <p:spPr>
+          <a:xfrm>
+            <a:off x="1299029" y="3272971"/>
+            <a:ext cx="8202258" cy="1477328"/>
+          </a:xfrm>
+          <a:prstGeom prst="rect">
+            <a:avLst/>
+          </a:prstGeom>
+          <a:noFill/>
+        </p:spPr>
+        <p:txBody>
+          <a:bodyPr rot="0" spcFirstLastPara="0" vertOverflow="overflow" horzOverflow="overflow" vert="horz" wrap="square" lIns="91440" tIns="45720" rIns="91440" bIns="45720" numCol="1" spcCol="0" rtlCol="0" fromWordArt="0" anchor="t" anchorCtr="0" forceAA="0" compatLnSpc="1">
+            <a:prstTxWarp prst="textNoShape">
+              <a:avLst/>
+            </a:prstTxWarp>
+            <a:spAutoFit/>
+          </a:bodyPr>
+          <a:lstStyle/>
+          <a:p>
+            <a:r>
+              <a:rPr lang="en-US" dirty="0"/>
+              <a:t>Note that in this example, the inputs given to the script are:</a:t>
+            </a:r>
+          </a:p>
+          <a:p>
+            <a:pPr marL="285750" indent="-285750">
+              <a:buFont typeface="Arial"/>
+              <a:buChar char="•"/>
+            </a:pPr>
+            <a:r>
+              <a:rPr lang="en-US" dirty="0" err="1"/>
+              <a:t>InputFilePath</a:t>
+            </a:r>
+            <a:r>
+              <a:rPr lang="en-US" dirty="0"/>
+              <a:t> = "./</a:t>
+            </a:r>
+            <a:r>
+              <a:rPr lang="en-US" dirty="0">
+                <a:ea typeface="+mn-lt"/>
+                <a:cs typeface="+mn-lt"/>
+              </a:rPr>
+              <a:t>curvyRoadSimpleTrajectory_Input</a:t>
+            </a:r>
+            <a:r>
+              <a:rPr lang="en-US" dirty="0">
+                <a:cs typeface="Arial"/>
+              </a:rPr>
+              <a:t>.csv</a:t>
+            </a:r>
+            <a:r>
+              <a:rPr lang="en-US" dirty="0"/>
+              <a:t>" </a:t>
+            </a:r>
+          </a:p>
+          <a:p>
+            <a:pPr marL="285750" indent="-285750">
+              <a:buFont typeface="Arial"/>
+              <a:buChar char="•"/>
+            </a:pPr>
+            <a:r>
+              <a:rPr lang="en-US" dirty="0" err="1">
+                <a:ea typeface="+mn-lt"/>
+                <a:cs typeface="+mn-lt"/>
+              </a:rPr>
+              <a:t>OutputFilePath</a:t>
+            </a:r>
+            <a:r>
+              <a:rPr lang="en-US" dirty="0">
+                <a:ea typeface="+mn-lt"/>
+                <a:cs typeface="+mn-lt"/>
+              </a:rPr>
+              <a:t> = "./curvyRoadSimpleTrajectory_Output.csv"</a:t>
+            </a:r>
+          </a:p>
+          <a:p>
+            <a:pPr marL="285750" indent="-285750">
+              <a:buFont typeface="Arial"/>
+              <a:buChar char="•"/>
+            </a:pPr>
+            <a:r>
+              <a:rPr lang="en-US" dirty="0" err="1">
+                <a:ea typeface="+mn-lt"/>
+                <a:cs typeface="+mn-lt"/>
+              </a:rPr>
+              <a:t>SimConfigFilePath</a:t>
+            </a:r>
+            <a:r>
+              <a:rPr lang="en-US" dirty="0">
+                <a:ea typeface="+mn-lt"/>
+                <a:cs typeface="+mn-lt"/>
+              </a:rPr>
+              <a:t> = "./</a:t>
+            </a:r>
+            <a:r>
+              <a:rPr lang="en-US" dirty="0" err="1">
+                <a:ea typeface="+mn-lt"/>
+                <a:cs typeface="+mn-lt"/>
+              </a:rPr>
+              <a:t>curvyRoadSimpleTrajectory.sumocfg</a:t>
+            </a:r>
+            <a:r>
+              <a:rPr lang="en-US" dirty="0">
+                <a:ea typeface="+mn-lt"/>
+                <a:cs typeface="+mn-lt"/>
+              </a:rPr>
+              <a:t>"</a:t>
+            </a:r>
+          </a:p>
+          <a:p>
+            <a:pPr marL="285750" indent="-285750">
+              <a:buFont typeface="Arial"/>
+              <a:buChar char="•"/>
+            </a:pPr>
+            <a:r>
+              <a:rPr lang="en-US" dirty="0" err="1">
+                <a:ea typeface="+mn-lt"/>
+                <a:cs typeface="+mn-lt"/>
+              </a:rPr>
+              <a:t>Veh_id</a:t>
+            </a:r>
+            <a:r>
+              <a:rPr lang="en-US" dirty="0">
+                <a:ea typeface="+mn-lt"/>
+                <a:cs typeface="+mn-lt"/>
+              </a:rPr>
+              <a:t> = "veh_0"</a:t>
+            </a:r>
+          </a:p>
+        </p:txBody>
+      </p:sp>
+      <p:pic>
+        <p:nvPicPr>
+          <p:cNvPr id="5" name="Picture 3" descr="Text&#10;&#10;Description automatically generated">
+            <a:extLst>
+              <a:ext uri="{FF2B5EF4-FFF2-40B4-BE49-F238E27FC236}">
+                <a16:creationId xmlns:a16="http://schemas.microsoft.com/office/drawing/2014/main" id="{A1ADED89-48A9-81B8-A454-BC11519F1772}"/>
+              </a:ext>
+            </a:extLst>
+          </p:cNvPr>
+          <p:cNvPicPr>
+            <a:picLocks noChangeAspect="1"/>
+          </p:cNvPicPr>
+          <p:nvPr/>
+        </p:nvPicPr>
+        <p:blipFill rotWithShape="1">
+          <a:blip r:embed="rId2"/>
+          <a:srcRect r="138" b="77131"/>
+          <a:stretch/>
+        </p:blipFill>
+        <p:spPr>
+          <a:xfrm>
+            <a:off x="1192078" y="1735719"/>
+            <a:ext cx="8923151" cy="1361718"/>
+          </a:xfrm>
+          <a:prstGeom prst="rect">
+            <a:avLst/>
+          </a:prstGeom>
+        </p:spPr>
+      </p:pic>
+    </p:spTree>
+    <p:extLst>
+      <p:ext uri="{BB962C8B-B14F-4D97-AF65-F5344CB8AC3E}">
+        <p14:creationId xmlns:p14="http://schemas.microsoft.com/office/powerpoint/2010/main" val="3406798096"/>
+      </p:ext>
+    </p:extLst>
+  </p:cSld>
+  <p:clrMapOvr>
+    <a:masterClrMapping/>
+  </p:clrMapOvr>
+  <p:timing>
+    <p:tnLst>
+      <p:par>
+        <p:cTn id="1" dur="indefinite" restart="never" nodeType="tmRoot">
+          <p:childTnLst>
+            <p:seq>
+              <p:cTn id="2" dur="indefinite" nodeType="mainSeq"/>
+              <p:prevCondLst>
+                <p:cond evt="onPrev" delay="0">
+                  <p:tgtEl>
+                    <p:sldTgt/>
+                  </p:tgtEl>
+                </p:cond>
+              </p:prevCondLst>
+              <p:nextCondLst>
+                <p:cond evt="onNext" delay="0">
+                  <p:tgtEl>
+                    <p:sldTgt/>
+                  </p:tgtEl>
+                </p:cond>
+              </p:nextCondLst>
+            </p:seq>
+          </p:childTnLst>
+        </p:cTn>
+      </p:par>
+    </p:tnLst>
+  </p:timing>
+</p:sld>
+</file>
+
+<file path=ppt/slides/slide13.xml><?xml version="1.0" encoding="utf-8"?>
+<p:sld xmlns:a="http://schemas.openxmlformats.org/drawingml/2006/main" xmlns:r="http://schemas.openxmlformats.org/officeDocument/2006/relationships" xmlns:p="http://schemas.openxmlformats.org/presentationml/2006/main">
+  <p:cSld>
+    <p:spTree>
+      <p:nvGrpSpPr>
+        <p:cNvPr id="1" name=""/>
+        <p:cNvGrpSpPr/>
+        <p:nvPr/>
+      </p:nvGrpSpPr>
+      <p:grpSpPr>
+        <a:xfrm>
+          <a:off x="0" y="0"/>
+          <a:ext cx="0" cy="0"/>
+          <a:chOff x="0" y="0"/>
+          <a:chExt cx="0" cy="0"/>
+        </a:xfrm>
+      </p:grpSpPr>
+      <p:pic>
+        <p:nvPicPr>
+          <p:cNvPr id="88" name="Picture 87"/>
+          <p:cNvPicPr/>
+          <p:nvPr/>
+        </p:nvPicPr>
+        <p:blipFill>
+          <a:blip r:embed="rId2"/>
+          <a:stretch/>
+        </p:blipFill>
+        <p:spPr>
+          <a:xfrm>
+            <a:off x="822960" y="2229120"/>
+            <a:ext cx="3456360" cy="1427760"/>
+          </a:xfrm>
+          <a:prstGeom prst="rect">
+            <a:avLst/>
+          </a:prstGeom>
+          <a:ln>
+            <a:noFill/>
+          </a:ln>
+        </p:spPr>
+      </p:pic>
+      <p:pic>
+        <p:nvPicPr>
+          <p:cNvPr id="89" name="Picture 88"/>
+          <p:cNvPicPr/>
+          <p:nvPr/>
+        </p:nvPicPr>
+        <p:blipFill>
+          <a:blip r:embed="rId3"/>
+          <a:stretch/>
+        </p:blipFill>
+        <p:spPr>
+          <a:xfrm>
+            <a:off x="5943600" y="1371600"/>
+            <a:ext cx="5558760" cy="4388040"/>
+          </a:xfrm>
+          <a:prstGeom prst="rect">
+            <a:avLst/>
+          </a:prstGeom>
+          <a:ln>
+            <a:noFill/>
+          </a:ln>
+        </p:spPr>
+      </p:pic>
+      <p:sp>
+        <p:nvSpPr>
+          <p:cNvPr id="90" name="CustomShape 2"/>
+          <p:cNvSpPr/>
+          <p:nvPr/>
+        </p:nvSpPr>
+        <p:spPr>
+          <a:xfrm>
+            <a:off x="1280160" y="3017520"/>
+            <a:ext cx="913680" cy="913680"/>
+          </a:xfrm>
+          <a:prstGeom prst="ellipse">
+            <a:avLst/>
+          </a:prstGeom>
+          <a:noFill/>
+          <a:ln w="29160">
+            <a:solidFill>
+              <a:srgbClr val="ED1C24"/>
+            </a:solidFill>
+            <a:round/>
+          </a:ln>
+        </p:spPr>
+        <p:style>
+          <a:lnRef idx="0">
+            <a:scrgbClr r="0" g="0" b="0"/>
+          </a:lnRef>
+          <a:fillRef idx="0">
+            <a:scrgbClr r="0" g="0" b="0"/>
+          </a:fillRef>
+          <a:effectRef idx="0">
+            <a:scrgbClr r="0" g="0" b="0"/>
+          </a:effectRef>
+          <a:fontRef idx="minor"/>
+        </p:style>
+      </p:sp>
+      <p:sp>
+        <p:nvSpPr>
+          <p:cNvPr id="91" name="CustomShape 3"/>
+          <p:cNvSpPr/>
+          <p:nvPr/>
+        </p:nvSpPr>
+        <p:spPr>
+          <a:xfrm>
+            <a:off x="1280520" y="3017880"/>
+            <a:ext cx="913680" cy="913680"/>
+          </a:xfrm>
+          <a:prstGeom prst="ellipse">
+            <a:avLst/>
+          </a:prstGeom>
+          <a:noFill/>
+          <a:ln w="29160">
+            <a:solidFill>
+              <a:srgbClr val="ED1C24"/>
+            </a:solidFill>
+            <a:round/>
+          </a:ln>
+        </p:spPr>
+        <p:style>
+          <a:lnRef idx="0">
+            <a:scrgbClr r="0" g="0" b="0"/>
+          </a:lnRef>
+          <a:fillRef idx="0">
+            <a:scrgbClr r="0" g="0" b="0"/>
+          </a:fillRef>
+          <a:effectRef idx="0">
+            <a:scrgbClr r="0" g="0" b="0"/>
+          </a:effectRef>
+          <a:fontRef idx="minor"/>
+        </p:style>
+      </p:sp>
+      <p:sp>
+        <p:nvSpPr>
+          <p:cNvPr id="92" name="CustomShape 4"/>
+          <p:cNvSpPr/>
+          <p:nvPr/>
+        </p:nvSpPr>
+        <p:spPr>
+          <a:xfrm>
+            <a:off x="11155680" y="1097280"/>
+            <a:ext cx="730800" cy="639360"/>
+          </a:xfrm>
+          <a:prstGeom prst="ellipse">
+            <a:avLst/>
+          </a:prstGeom>
+          <a:noFill/>
+          <a:ln w="29160">
+            <a:solidFill>
+              <a:srgbClr val="ED1C24"/>
+            </a:solidFill>
+            <a:round/>
+          </a:ln>
+        </p:spPr>
+        <p:style>
+          <a:lnRef idx="0">
+            <a:scrgbClr r="0" g="0" b="0"/>
+          </a:lnRef>
+          <a:fillRef idx="0">
+            <a:scrgbClr r="0" g="0" b="0"/>
+          </a:fillRef>
+          <a:effectRef idx="0">
+            <a:scrgbClr r="0" g="0" b="0"/>
+          </a:effectRef>
+          <a:fontRef idx="minor"/>
+        </p:style>
+      </p:sp>
+      <p:sp>
+        <p:nvSpPr>
+          <p:cNvPr id="3" name="CustomShape 1">
+            <a:extLst>
+              <a:ext uri="{FF2B5EF4-FFF2-40B4-BE49-F238E27FC236}">
+                <a16:creationId xmlns:a16="http://schemas.microsoft.com/office/drawing/2014/main" id="{B9609CB4-2C90-6162-0E41-34CB61F34BCA}"/>
+              </a:ext>
+            </a:extLst>
+          </p:cNvPr>
+          <p:cNvSpPr/>
+          <p:nvPr/>
+        </p:nvSpPr>
+        <p:spPr>
+          <a:xfrm>
+            <a:off x="457200" y="182880"/>
+            <a:ext cx="10514520" cy="1324440"/>
+          </a:xfrm>
+          <a:prstGeom prst="rect">
+            <a:avLst/>
+          </a:prstGeom>
+          <a:noFill/>
+          <a:ln>
+            <a:noFill/>
+          </a:ln>
+        </p:spPr>
+        <p:style>
+          <a:lnRef idx="0">
+            <a:scrgbClr r="0" g="0" b="0"/>
+          </a:lnRef>
+          <a:fillRef idx="0">
+            <a:scrgbClr r="0" g="0" b="0"/>
+          </a:fillRef>
+          <a:effectRef idx="0">
+            <a:scrgbClr r="0" g="0" b="0"/>
+          </a:effectRef>
+          <a:fontRef idx="minor"/>
+        </p:style>
+        <p:txBody>
+          <a:bodyPr lIns="0" tIns="0" rIns="0" bIns="0" anchor="ctr"/>
+          <a:lstStyle/>
+          <a:p>
+            <a:r>
+              <a:rPr lang="en-US" sz="2400" b="0" strike="noStrike" spc="-1" dirty="0">
+                <a:solidFill>
+                  <a:srgbClr val="000000"/>
+                </a:solidFill>
+                <a:latin typeface="Calibri"/>
+                <a:ea typeface="DejaVu Sans"/>
+              </a:rPr>
+              <a:t>Step 3. </a:t>
+            </a:r>
+            <a:r>
+              <a:rPr lang="en-US" sz="2400" spc="-1" dirty="0">
+                <a:solidFill>
+                  <a:srgbClr val="000000"/>
+                </a:solidFill>
+                <a:latin typeface="Calibri"/>
+                <a:ea typeface="DejaVu Sans"/>
+              </a:rPr>
+              <a:t>Once simulation ends, close </a:t>
+            </a:r>
+            <a:r>
+              <a:rPr lang="en-US" sz="2400" b="0" strike="noStrike" spc="-1" dirty="0">
+                <a:solidFill>
+                  <a:srgbClr val="000000"/>
+                </a:solidFill>
+                <a:latin typeface="Calibri"/>
+                <a:ea typeface="DejaVu Sans"/>
+              </a:rPr>
+              <a:t>SUMO to end the script. Please note that you have to close SUMO to end the script so that output file can be written.</a:t>
+            </a:r>
+            <a:r>
+              <a:rPr lang="en-US" sz="2400" spc="-1" dirty="0">
+                <a:solidFill>
+                  <a:srgbClr val="000000"/>
+                </a:solidFill>
+                <a:latin typeface="Calibri"/>
+                <a:ea typeface="DejaVu Sans"/>
+              </a:rPr>
+              <a:t> </a:t>
+            </a:r>
+            <a:endParaRPr lang="en-US" sz="2400" b="0" strike="noStrike" spc="-1">
+              <a:latin typeface="Arial"/>
+            </a:endParaRPr>
+          </a:p>
+        </p:txBody>
+      </p:sp>
+    </p:spTree>
+    <p:extLst>
+      <p:ext uri="{BB962C8B-B14F-4D97-AF65-F5344CB8AC3E}">
+        <p14:creationId xmlns:p14="http://schemas.microsoft.com/office/powerpoint/2010/main" val="4068170706"/>
+      </p:ext>
+    </p:extLst>
+  </p:cSld>
+  <p:clrMapOvr>
+    <a:masterClrMapping/>
+  </p:clrMapOvr>
+  <p:timing>
+    <p:tnLst>
+      <p:par>
+        <p:cTn id="1" dur="indefinite" restart="never" nodeType="tmRoot">
+          <p:childTnLst>
+            <p:seq>
+              <p:cTn id="2" dur="indefinite" nodeType="mainSeq"/>
+              <p:prevCondLst>
+                <p:cond evt="onPrev" delay="0">
+                  <p:tgtEl>
+                    <p:sldTgt/>
+                  </p:tgtEl>
+                </p:cond>
+              </p:prevCondLst>
+              <p:nextCondLst>
+                <p:cond evt="onNext" delay="0">
+                  <p:tgtEl>
+                    <p:sldTgt/>
+                  </p:tgtEl>
+                </p:cond>
+              </p:nextCondLst>
+            </p:seq>
+          </p:childTnLst>
+        </p:cTn>
+      </p:par>
+    </p:tnLst>
+  </p:timing>
+</p:sld>
+</file>
+
+<file path=ppt/slides/slide14.xml><?xml version="1.0" encoding="utf-8"?>
+<p:sld xmlns:a="http://schemas.openxmlformats.org/drawingml/2006/main" xmlns:r="http://schemas.openxmlformats.org/officeDocument/2006/relationships" xmlns:p="http://schemas.openxmlformats.org/presentationml/2006/main">
+  <p:cSld>
+    <p:spTree>
+      <p:nvGrpSpPr>
+        <p:cNvPr id="1" name=""/>
+        <p:cNvGrpSpPr/>
+        <p:nvPr/>
+      </p:nvGrpSpPr>
+      <p:grpSpPr>
+        <a:xfrm>
+          <a:off x="0" y="0"/>
+          <a:ext cx="0" cy="0"/>
+          <a:chOff x="0" y="0"/>
+          <a:chExt cx="0" cy="0"/>
+        </a:xfrm>
+      </p:grpSpPr>
+      <p:sp>
+        <p:nvSpPr>
+          <p:cNvPr id="93" name="CustomShape 1"/>
+          <p:cNvSpPr/>
+          <p:nvPr/>
+        </p:nvSpPr>
+        <p:spPr>
+          <a:xfrm>
+            <a:off x="182880" y="229320"/>
+            <a:ext cx="11192760" cy="1324440"/>
+          </a:xfrm>
+          <a:prstGeom prst="rect">
+            <a:avLst/>
+          </a:prstGeom>
+          <a:noFill/>
+          <a:ln>
+            <a:noFill/>
+          </a:ln>
+        </p:spPr>
+        <p:style>
+          <a:lnRef idx="0">
+            <a:scrgbClr r="0" g="0" b="0"/>
+          </a:lnRef>
+          <a:fillRef idx="0">
+            <a:scrgbClr r="0" g="0" b="0"/>
+          </a:fillRef>
+          <a:effectRef idx="0">
+            <a:scrgbClr r="0" g="0" b="0"/>
+          </a:effectRef>
+          <a:fontRef idx="minor"/>
+        </p:style>
+        <p:txBody>
+          <a:bodyPr lIns="90000" tIns="45000" rIns="90000" bIns="45000" anchor="ctr"/>
+          <a:lstStyle/>
+          <a:p>
+            <a:pPr>
+              <a:lnSpc>
+                <a:spcPct val="90000"/>
+              </a:lnSpc>
+            </a:pPr>
+            <a:r>
+              <a:rPr lang="en-US" sz="2400" b="0" strike="noStrike" spc="-1" dirty="0">
+                <a:solidFill>
+                  <a:srgbClr val="000000"/>
+                </a:solidFill>
+                <a:latin typeface="Calibri Light"/>
+                <a:ea typeface="DejaVu Sans"/>
+              </a:rPr>
+              <a:t>Step 4. Investigating the results. In this example, input trajectory is a </a:t>
+            </a:r>
+            <a:r>
+              <a:rPr lang="en-US" sz="2400" b="1" spc="-1" dirty="0">
+                <a:solidFill>
+                  <a:srgbClr val="000000"/>
+                </a:solidFill>
+                <a:latin typeface="Calibri Light"/>
+                <a:ea typeface="DejaVu Sans"/>
+              </a:rPr>
+              <a:t>simple curved line</a:t>
+            </a:r>
+            <a:r>
+              <a:rPr lang="en-US" sz="2400" b="1" strike="noStrike" spc="-1" dirty="0">
+                <a:solidFill>
+                  <a:srgbClr val="000000"/>
+                </a:solidFill>
+                <a:latin typeface="Calibri Light"/>
+                <a:ea typeface="DejaVu Sans"/>
+              </a:rPr>
+              <a:t>.</a:t>
+            </a:r>
+            <a:r>
+              <a:rPr lang="en-US" sz="2400" b="0" strike="noStrike" spc="-1" dirty="0">
+                <a:solidFill>
+                  <a:srgbClr val="000000"/>
+                </a:solidFill>
+                <a:latin typeface="Calibri Light"/>
+                <a:ea typeface="DejaVu Sans"/>
+              </a:rPr>
+              <a:t> The results show that the actual output trajectory matches the input trajectory. Please note that the output file is in xml format. For how to convert it from xml to csv,</a:t>
+            </a:r>
+            <a:r>
+              <a:rPr lang="en-US" sz="2400" spc="-1" dirty="0">
+                <a:solidFill>
+                  <a:srgbClr val="000000"/>
+                </a:solidFill>
+                <a:latin typeface="Calibri Light"/>
+                <a:ea typeface="DejaVu Sans"/>
+              </a:rPr>
+              <a:t> </a:t>
+            </a:r>
+            <a:r>
+              <a:rPr lang="en-US" sz="2400" b="0" strike="noStrike" spc="-1" dirty="0">
+                <a:solidFill>
+                  <a:srgbClr val="000000"/>
+                </a:solidFill>
+                <a:latin typeface="Calibri Light"/>
+                <a:ea typeface="DejaVu Sans"/>
+              </a:rPr>
+              <a:t>please see the document "</a:t>
+            </a:r>
+            <a:r>
+              <a:rPr lang="en-US" sz="2400" b="0" u="sng" strike="noStrike" spc="-1" dirty="0">
+                <a:solidFill>
+                  <a:srgbClr val="0563C1"/>
+                </a:solidFill>
+                <a:uFillTx/>
+                <a:latin typeface="Calibri Light"/>
+                <a:ea typeface="Calibri Light"/>
+                <a:hlinkClick r:id="rId2"/>
+              </a:rPr>
+              <a:t>How to export SUMO simulation results.pptx</a:t>
+            </a:r>
+            <a:r>
+              <a:rPr lang="en-US" sz="3200" b="0" strike="noStrike" spc="-1" dirty="0">
+                <a:solidFill>
+                  <a:srgbClr val="000000"/>
+                </a:solidFill>
+                <a:latin typeface="Calibri Light"/>
+                <a:ea typeface="Calibri Light"/>
+              </a:rPr>
+              <a:t>"</a:t>
+            </a:r>
+            <a:endParaRPr lang="en-US" sz="3200" b="0" strike="noStrike" spc="-1" dirty="0">
+              <a:latin typeface="Arial"/>
+            </a:endParaRPr>
+          </a:p>
+        </p:txBody>
+      </p:sp>
+      <p:sp>
+        <p:nvSpPr>
+          <p:cNvPr id="3" name="TextBox 2">
+            <a:extLst>
+              <a:ext uri="{FF2B5EF4-FFF2-40B4-BE49-F238E27FC236}">
+                <a16:creationId xmlns:a16="http://schemas.microsoft.com/office/drawing/2014/main" id="{7CB998CC-9BF1-443E-5319-F55CACFB60D4}"/>
+              </a:ext>
+            </a:extLst>
+          </p:cNvPr>
+          <p:cNvSpPr txBox="1"/>
+          <p:nvPr/>
+        </p:nvSpPr>
+        <p:spPr>
+          <a:xfrm>
+            <a:off x="6914370" y="5609096"/>
+            <a:ext cx="2743200" cy="369332"/>
+          </a:xfrm>
+          <a:prstGeom prst="rect">
+            <a:avLst/>
+          </a:prstGeom>
+          <a:noFill/>
+        </p:spPr>
+        <p:txBody>
+          <a:bodyPr rot="0" spcFirstLastPara="0" vertOverflow="overflow" horzOverflow="overflow" vert="horz" wrap="square" lIns="91440" tIns="45720" rIns="91440" bIns="45720" numCol="1" spcCol="0" rtlCol="0" fromWordArt="0" anchor="t" anchorCtr="0" forceAA="0" compatLnSpc="1">
+            <a:prstTxWarp prst="textNoShape">
+              <a:avLst/>
+            </a:prstTxWarp>
+            <a:spAutoFit/>
+          </a:bodyPr>
+          <a:lstStyle/>
+          <a:p>
+            <a:r>
+              <a:rPr lang="en-US" dirty="0"/>
+              <a:t>Simulated road in SUMO</a:t>
+            </a:r>
+          </a:p>
+        </p:txBody>
+      </p:sp>
+      <p:pic>
+        <p:nvPicPr>
+          <p:cNvPr id="5" name="Picture 5" descr="Chart, line chart&#10;&#10;Description automatically generated">
+            <a:extLst>
+              <a:ext uri="{FF2B5EF4-FFF2-40B4-BE49-F238E27FC236}">
+                <a16:creationId xmlns:a16="http://schemas.microsoft.com/office/drawing/2014/main" id="{89AAE26D-0349-D1C8-DD57-9E5F39DE863F}"/>
+              </a:ext>
+            </a:extLst>
+          </p:cNvPr>
+          <p:cNvPicPr>
+            <a:picLocks noChangeAspect="1"/>
+          </p:cNvPicPr>
+          <p:nvPr/>
+        </p:nvPicPr>
+        <p:blipFill>
+          <a:blip r:embed="rId3"/>
+          <a:stretch>
+            <a:fillRect/>
+          </a:stretch>
+        </p:blipFill>
+        <p:spPr>
+          <a:xfrm>
+            <a:off x="140586" y="2104952"/>
+            <a:ext cx="5135525" cy="3864934"/>
+          </a:xfrm>
+          <a:prstGeom prst="rect">
+            <a:avLst/>
+          </a:prstGeom>
+        </p:spPr>
+      </p:pic>
+      <p:pic>
+        <p:nvPicPr>
+          <p:cNvPr id="7" name="Picture 7" descr="Shape&#10;&#10;Description automatically generated">
+            <a:extLst>
+              <a:ext uri="{FF2B5EF4-FFF2-40B4-BE49-F238E27FC236}">
+                <a16:creationId xmlns:a16="http://schemas.microsoft.com/office/drawing/2014/main" id="{A220CDFC-8616-9684-E537-5BA21D1102BD}"/>
+              </a:ext>
+            </a:extLst>
+          </p:cNvPr>
+          <p:cNvPicPr>
+            <a:picLocks noChangeAspect="1"/>
+          </p:cNvPicPr>
+          <p:nvPr/>
+        </p:nvPicPr>
+        <p:blipFill>
+          <a:blip r:embed="rId4"/>
+          <a:stretch>
+            <a:fillRect/>
+          </a:stretch>
+        </p:blipFill>
+        <p:spPr>
+          <a:xfrm>
+            <a:off x="5427330" y="2212578"/>
+            <a:ext cx="5980222" cy="2929032"/>
+          </a:xfrm>
+          <a:prstGeom prst="rect">
+            <a:avLst/>
+          </a:prstGeom>
+        </p:spPr>
+      </p:pic>
+    </p:spTree>
+    <p:extLst>
+      <p:ext uri="{BB962C8B-B14F-4D97-AF65-F5344CB8AC3E}">
+        <p14:creationId xmlns:p14="http://schemas.microsoft.com/office/powerpoint/2010/main" val="2214527939"/>
+      </p:ext>
+    </p:extLst>
+  </p:cSld>
+  <p:clrMapOvr>
+    <a:masterClrMapping/>
+  </p:clrMapOvr>
+  <p:timing>
+    <p:tnLst>
+      <p:par>
+        <p:cTn id="1" dur="indefinite" restart="never" nodeType="tmRoot">
+          <p:childTnLst>
+            <p:seq>
+              <p:cTn id="2" dur="indefinite" nodeType="mainSeq"/>
+              <p:prevCondLst>
+                <p:cond evt="onPrev" delay="0">
+                  <p:tgtEl>
+                    <p:sldTgt/>
+                  </p:tgtEl>
+                </p:cond>
+              </p:prevCondLst>
+              <p:nextCondLst>
+                <p:cond evt="onNext" delay="0">
+                  <p:tgtEl>
+                    <p:sldTgt/>
+                  </p:tgtEl>
+                </p:cond>
+              </p:nextCondLst>
+            </p:seq>
+          </p:childTnLst>
+        </p:cTn>
+      </p:par>
+    </p:tnLst>
+  </p:timing>
+</p:sld>
+</file>
+
+<file path=ppt/slides/slide15.xml><?xml version="1.0" encoding="utf-8"?>
+<p:sld xmlns:a="http://schemas.openxmlformats.org/drawingml/2006/main" xmlns:r="http://schemas.openxmlformats.org/officeDocument/2006/relationships" xmlns:p="http://schemas.openxmlformats.org/presentationml/2006/main">
+  <p:cSld>
+    <p:spTree>
+      <p:nvGrpSpPr>
+        <p:cNvPr id="1" name=""/>
+        <p:cNvGrpSpPr/>
+        <p:nvPr/>
+      </p:nvGrpSpPr>
+      <p:grpSpPr>
+        <a:xfrm>
+          <a:off x="0" y="0"/>
+          <a:ext cx="0" cy="0"/>
+          <a:chOff x="0" y="0"/>
+          <a:chExt cx="0" cy="0"/>
+        </a:xfrm>
+      </p:grpSpPr>
+      <p:sp>
+        <p:nvSpPr>
+          <p:cNvPr id="79" name="CustomShape 1"/>
+          <p:cNvSpPr/>
+          <p:nvPr/>
+        </p:nvSpPr>
+        <p:spPr>
+          <a:xfrm>
+            <a:off x="234380" y="-1050"/>
+            <a:ext cx="10514520" cy="1324440"/>
+          </a:xfrm>
+          <a:prstGeom prst="rect">
+            <a:avLst/>
+          </a:prstGeom>
+          <a:noFill/>
+          <a:ln>
+            <a:noFill/>
+          </a:ln>
+        </p:spPr>
+        <p:style>
+          <a:lnRef idx="0">
+            <a:scrgbClr r="0" g="0" b="0"/>
+          </a:lnRef>
+          <a:fillRef idx="0">
+            <a:scrgbClr r="0" g="0" b="0"/>
+          </a:fillRef>
+          <a:effectRef idx="0">
+            <a:scrgbClr r="0" g="0" b="0"/>
+          </a:effectRef>
+          <a:fontRef idx="minor"/>
+        </p:style>
+        <p:txBody>
+          <a:bodyPr lIns="90000" tIns="45000" rIns="90000" bIns="45000" anchor="ctr"/>
+          <a:lstStyle/>
+          <a:p>
+            <a:pPr>
+              <a:lnSpc>
+                <a:spcPct val="90000"/>
+              </a:lnSpc>
+            </a:pPr>
+            <a:r>
+              <a:rPr lang="en-US" sz="3000" spc="-1" dirty="0">
+                <a:solidFill>
+                  <a:srgbClr val="000000"/>
+                </a:solidFill>
+                <a:latin typeface="Calibri"/>
+              </a:rPr>
+              <a:t>Example 3: </a:t>
+            </a:r>
+            <a:r>
+              <a:rPr lang="en-US" sz="3000" spc="-1" dirty="0">
+                <a:latin typeface="Calibri"/>
+                <a:ea typeface="+mn-lt"/>
+                <a:cs typeface="+mn-lt"/>
+              </a:rPr>
+              <a:t>commanded a complex irregular-shaped curved trajectory to an AV. Test description is below.</a:t>
+            </a:r>
+            <a:endParaRPr lang="en-US" sz="3000" b="0" strike="noStrike" spc="-1">
+              <a:latin typeface="Calibri"/>
+            </a:endParaRPr>
+          </a:p>
+        </p:txBody>
+      </p:sp>
+      <p:sp>
+        <p:nvSpPr>
+          <p:cNvPr id="80" name="CustomShape 2"/>
+          <p:cNvSpPr/>
+          <p:nvPr/>
+        </p:nvSpPr>
+        <p:spPr>
+          <a:xfrm>
+            <a:off x="752684" y="1135819"/>
+            <a:ext cx="10514520" cy="4350240"/>
+          </a:xfrm>
+          <a:prstGeom prst="rect">
+            <a:avLst/>
+          </a:prstGeom>
+          <a:noFill/>
+          <a:ln>
+            <a:noFill/>
+          </a:ln>
+        </p:spPr>
+        <p:style>
+          <a:lnRef idx="0">
+            <a:scrgbClr r="0" g="0" b="0"/>
+          </a:lnRef>
+          <a:fillRef idx="0">
+            <a:scrgbClr r="0" g="0" b="0"/>
+          </a:fillRef>
+          <a:effectRef idx="0">
+            <a:scrgbClr r="0" g="0" b="0"/>
+          </a:effectRef>
+          <a:fontRef idx="minor"/>
+        </p:style>
+        <p:txBody>
+          <a:bodyPr lIns="90000" tIns="45000" rIns="90000" bIns="45000" anchor="t">
+            <a:noAutofit/>
+          </a:bodyPr>
+          <a:lstStyle/>
+          <a:p>
+            <a:pPr marL="228600" indent="-227330">
+              <a:lnSpc>
+                <a:spcPct val="90000"/>
+              </a:lnSpc>
+              <a:spcBef>
+                <a:spcPts val="1001"/>
+              </a:spcBef>
+              <a:buClr>
+                <a:srgbClr val="000000"/>
+              </a:buClr>
+              <a:buFont typeface="Arial"/>
+              <a:buChar char="•"/>
+            </a:pPr>
+            <a:r>
+              <a:rPr lang="en-US" sz="2000" b="0" strike="noStrike" spc="-1" dirty="0">
+                <a:solidFill>
+                  <a:srgbClr val="000000"/>
+                </a:solidFill>
+                <a:latin typeface="Calibri"/>
+                <a:ea typeface="DejaVu Sans"/>
+              </a:rPr>
+              <a:t>Input:</a:t>
+            </a:r>
+            <a:endParaRPr lang="en-US" sz="2000" b="0" strike="noStrike" spc="-1" dirty="0">
+              <a:latin typeface="Calibri"/>
+            </a:endParaRPr>
+          </a:p>
+          <a:p>
+            <a:pPr marL="685800" lvl="1" indent="-227330">
+              <a:lnSpc>
+                <a:spcPct val="90000"/>
+              </a:lnSpc>
+              <a:spcBef>
+                <a:spcPts val="499"/>
+              </a:spcBef>
+              <a:buClr>
+                <a:srgbClr val="000000"/>
+              </a:buClr>
+              <a:buFont typeface="Arial"/>
+              <a:buChar char="•"/>
+            </a:pPr>
+            <a:r>
+              <a:rPr lang="en-US" sz="2000" b="0" strike="noStrike" spc="-1" dirty="0">
+                <a:solidFill>
+                  <a:srgbClr val="000000"/>
+                </a:solidFill>
+                <a:latin typeface="Calibri"/>
+                <a:ea typeface="DejaVu Sans"/>
+              </a:rPr>
+              <a:t>Commanded trajectory containing x and y in meters</a:t>
+            </a:r>
+            <a:endParaRPr lang="en-US" sz="2000" b="0" strike="noStrike" spc="-1" dirty="0">
+              <a:latin typeface="Calibri"/>
+            </a:endParaRPr>
+          </a:p>
+          <a:p>
+            <a:pPr marL="685800" lvl="1" indent="-227330">
+              <a:lnSpc>
+                <a:spcPct val="90000"/>
+              </a:lnSpc>
+              <a:spcBef>
+                <a:spcPts val="499"/>
+              </a:spcBef>
+              <a:buClr>
+                <a:srgbClr val="000000"/>
+              </a:buClr>
+              <a:buFont typeface="Arial"/>
+              <a:buChar char="•"/>
+            </a:pPr>
+            <a:r>
+              <a:rPr lang="en-US" sz="2000" b="0" strike="noStrike" spc="-1" dirty="0">
+                <a:solidFill>
+                  <a:srgbClr val="000000"/>
+                </a:solidFill>
+                <a:latin typeface="Calibri"/>
+                <a:ea typeface="DejaVu Sans"/>
+              </a:rPr>
+              <a:t>Source data file: </a:t>
+            </a:r>
+            <a:r>
+              <a:rPr lang="en-US" sz="2000" spc="-1" dirty="0">
+                <a:latin typeface="Calibri"/>
+                <a:ea typeface="+mn-lt"/>
+                <a:cs typeface="+mn-lt"/>
+              </a:rPr>
+              <a:t>curvyRoad_irregularShapeTrajectory_Input</a:t>
+            </a:r>
+            <a:r>
+              <a:rPr lang="en-US" sz="2000" b="0" strike="noStrike" spc="-1" dirty="0">
+                <a:latin typeface="Calibri"/>
+                <a:ea typeface="+mn-lt"/>
+                <a:cs typeface="+mn-lt"/>
+              </a:rPr>
+              <a:t>.csv</a:t>
+            </a:r>
+          </a:p>
+          <a:p>
+            <a:pPr marL="228600" indent="-227330">
+              <a:lnSpc>
+                <a:spcPct val="90000"/>
+              </a:lnSpc>
+              <a:spcBef>
+                <a:spcPts val="1001"/>
+              </a:spcBef>
+              <a:buClr>
+                <a:srgbClr val="000000"/>
+              </a:buClr>
+              <a:buFont typeface="Arial"/>
+              <a:buChar char="•"/>
+            </a:pPr>
+            <a:r>
+              <a:rPr lang="en-US" sz="2000" b="0" strike="noStrike" spc="-1" dirty="0">
+                <a:solidFill>
+                  <a:srgbClr val="000000"/>
+                </a:solidFill>
+                <a:latin typeface="Calibri"/>
+                <a:ea typeface="DejaVu Sans"/>
+              </a:rPr>
+              <a:t>Output:</a:t>
+            </a:r>
+            <a:endParaRPr lang="en-US" sz="2000" b="0" strike="noStrike" spc="-1" dirty="0">
+              <a:latin typeface="Calibri"/>
+            </a:endParaRPr>
+          </a:p>
+          <a:p>
+            <a:pPr marL="685800" lvl="1" indent="-227330">
+              <a:lnSpc>
+                <a:spcPct val="90000"/>
+              </a:lnSpc>
+              <a:spcBef>
+                <a:spcPts val="499"/>
+              </a:spcBef>
+              <a:buClr>
+                <a:srgbClr val="000000"/>
+              </a:buClr>
+              <a:buFont typeface="Arial"/>
+              <a:buChar char="•"/>
+            </a:pPr>
+            <a:r>
+              <a:rPr lang="en-US" sz="2000" b="0" strike="noStrike" spc="-1" dirty="0">
+                <a:solidFill>
+                  <a:srgbClr val="000000"/>
+                </a:solidFill>
+                <a:latin typeface="Calibri"/>
+                <a:ea typeface="DejaVu Sans"/>
+              </a:rPr>
+              <a:t>Actual trajectory containing x and y in meters.</a:t>
+            </a:r>
+            <a:endParaRPr lang="en-US" sz="2000" b="0" strike="noStrike" spc="-1" dirty="0">
+              <a:latin typeface="Calibri"/>
+            </a:endParaRPr>
+          </a:p>
+          <a:p>
+            <a:pPr marL="685800" lvl="1" indent="-227330">
+              <a:lnSpc>
+                <a:spcPct val="90000"/>
+              </a:lnSpc>
+              <a:spcBef>
+                <a:spcPts val="499"/>
+              </a:spcBef>
+              <a:buClr>
+                <a:srgbClr val="000000"/>
+              </a:buClr>
+              <a:buFont typeface="Arial"/>
+              <a:buChar char="•"/>
+            </a:pPr>
+            <a:r>
+              <a:rPr lang="en-US" sz="2000" b="0" strike="noStrike" spc="-1" dirty="0">
+                <a:solidFill>
+                  <a:srgbClr val="000000"/>
+                </a:solidFill>
+                <a:latin typeface="Calibri"/>
+                <a:ea typeface="DejaVu Sans"/>
+              </a:rPr>
+              <a:t>Source data file: </a:t>
+            </a:r>
+            <a:r>
+              <a:rPr lang="en-US" sz="2000" spc="-1" dirty="0">
+                <a:latin typeface="Calibri"/>
+                <a:ea typeface="+mn-lt"/>
+                <a:cs typeface="+mn-lt"/>
+              </a:rPr>
+              <a:t>curvyRoad_irregularShapeTrajectory_Output</a:t>
+            </a:r>
+            <a:r>
+              <a:rPr lang="en-US" sz="2000" b="0" strike="noStrike" spc="-1" dirty="0">
+                <a:solidFill>
+                  <a:srgbClr val="000000"/>
+                </a:solidFill>
+                <a:latin typeface="Calibri"/>
+                <a:ea typeface="DejaVu Sans"/>
+              </a:rPr>
+              <a:t>.csv</a:t>
+            </a:r>
+            <a:endParaRPr lang="en-US" sz="2000" b="0" strike="noStrike" spc="-1" dirty="0">
+              <a:latin typeface="Calibri"/>
+            </a:endParaRPr>
+          </a:p>
+          <a:p>
+            <a:pPr marL="228600" indent="-227330">
+              <a:lnSpc>
+                <a:spcPct val="90000"/>
+              </a:lnSpc>
+              <a:spcBef>
+                <a:spcPts val="1001"/>
+              </a:spcBef>
+              <a:buClr>
+                <a:srgbClr val="000000"/>
+              </a:buClr>
+              <a:buFont typeface="Arial"/>
+              <a:buChar char="•"/>
+            </a:pPr>
+            <a:r>
+              <a:rPr lang="en-US" sz="2000" b="0" strike="noStrike" spc="-1" dirty="0">
+                <a:solidFill>
+                  <a:srgbClr val="000000"/>
+                </a:solidFill>
+                <a:latin typeface="Calibri"/>
+                <a:ea typeface="DejaVu Sans"/>
+              </a:rPr>
+              <a:t>Script used:</a:t>
+            </a:r>
+            <a:endParaRPr lang="en-US" sz="2000" b="0" strike="noStrike" spc="-1" dirty="0">
+              <a:latin typeface="Calibri"/>
+            </a:endParaRPr>
+          </a:p>
+          <a:p>
+            <a:pPr marL="685800" lvl="1" indent="-227330">
+              <a:lnSpc>
+                <a:spcPct val="100000"/>
+              </a:lnSpc>
+              <a:spcBef>
+                <a:spcPts val="1134"/>
+              </a:spcBef>
+              <a:buClr>
+                <a:srgbClr val="000000"/>
+              </a:buClr>
+              <a:buFont typeface="Arial"/>
+              <a:buChar char="•"/>
+            </a:pPr>
+            <a:r>
+              <a:rPr lang="en-US" sz="2000" b="0" strike="noStrike" spc="-1" dirty="0">
+                <a:solidFill>
+                  <a:srgbClr val="000000"/>
+                </a:solidFill>
+                <a:latin typeface="Calibri"/>
+                <a:ea typeface="Calibri"/>
+              </a:rPr>
+              <a:t>script_testFcn_fcn_CommandVehTrajectory.py</a:t>
+            </a:r>
+            <a:endParaRPr lang="en-US" sz="2000" b="0" strike="noStrike" spc="-1" dirty="0">
+              <a:latin typeface="Calibri"/>
+            </a:endParaRPr>
+          </a:p>
+          <a:p>
+            <a:pPr marL="685800" lvl="1" indent="-227330">
+              <a:lnSpc>
+                <a:spcPct val="100000"/>
+              </a:lnSpc>
+              <a:spcBef>
+                <a:spcPts val="1134"/>
+              </a:spcBef>
+              <a:buClr>
+                <a:srgbClr val="000000"/>
+              </a:buClr>
+              <a:buFont typeface="Arial"/>
+              <a:buChar char="•"/>
+            </a:pPr>
+            <a:r>
+              <a:rPr lang="en-US" sz="2000" b="0" strike="noStrike" spc="-1" dirty="0">
+                <a:solidFill>
+                  <a:srgbClr val="000000"/>
+                </a:solidFill>
+                <a:latin typeface="Calibri"/>
+                <a:ea typeface="Calibri"/>
+              </a:rPr>
+              <a:t>fcn_CommandVehTrajectory.py</a:t>
+            </a:r>
+            <a:endParaRPr lang="en-US" sz="2000" b="0" strike="noStrike" spc="-1" dirty="0">
+              <a:latin typeface="Calibri"/>
+            </a:endParaRPr>
+          </a:p>
+          <a:p>
+            <a:pPr marL="228600" indent="-227330">
+              <a:lnSpc>
+                <a:spcPct val="90000"/>
+              </a:lnSpc>
+              <a:spcBef>
+                <a:spcPts val="1001"/>
+              </a:spcBef>
+              <a:buClr>
+                <a:srgbClr val="000000"/>
+              </a:buClr>
+              <a:buFont typeface="Arial"/>
+              <a:buChar char="•"/>
+            </a:pPr>
+            <a:r>
+              <a:rPr lang="en-US" sz="2000" b="0" strike="noStrike" spc="-1" dirty="0">
+                <a:solidFill>
+                  <a:srgbClr val="000000"/>
+                </a:solidFill>
+                <a:latin typeface="Calibri"/>
+                <a:ea typeface="Calibri"/>
+              </a:rPr>
+              <a:t>Other data files used:</a:t>
+            </a:r>
+            <a:endParaRPr lang="en-US" sz="2000" b="0" strike="noStrike" spc="-1" dirty="0">
+              <a:latin typeface="Calibri"/>
+            </a:endParaRPr>
+          </a:p>
+          <a:p>
+            <a:pPr marL="685800" lvl="1" indent="-227330">
+              <a:lnSpc>
+                <a:spcPct val="90000"/>
+              </a:lnSpc>
+              <a:spcBef>
+                <a:spcPts val="499"/>
+              </a:spcBef>
+              <a:buClr>
+                <a:srgbClr val="000000"/>
+              </a:buClr>
+              <a:buFont typeface="Arial"/>
+              <a:buChar char="•"/>
+            </a:pPr>
+            <a:r>
+              <a:rPr lang="en-US" sz="2000" spc="-1" dirty="0" err="1">
+                <a:latin typeface="Calibri"/>
+                <a:ea typeface="+mn-lt"/>
+                <a:cs typeface="+mn-lt"/>
+              </a:rPr>
+              <a:t>curvyRoad_irregularShapeTrajectory</a:t>
+            </a:r>
+            <a:r>
+              <a:rPr lang="en-US" sz="2000" b="0" strike="noStrike" spc="-1" dirty="0" err="1">
+                <a:solidFill>
+                  <a:srgbClr val="000000"/>
+                </a:solidFill>
+                <a:latin typeface="Calibri"/>
+                <a:ea typeface="Calibri"/>
+              </a:rPr>
+              <a:t>.sumocfg</a:t>
+            </a:r>
+            <a:r>
+              <a:rPr lang="en-US" sz="2000" b="0" strike="noStrike" spc="-1" dirty="0">
+                <a:solidFill>
+                  <a:srgbClr val="000000"/>
+                </a:solidFill>
+                <a:latin typeface="Calibri"/>
+                <a:ea typeface="Calibri"/>
+              </a:rPr>
+              <a:t> - this runs the simulation</a:t>
+            </a:r>
+            <a:endParaRPr lang="en-US" sz="2000" b="0" strike="noStrike" spc="-1" dirty="0">
+              <a:latin typeface="Calibri"/>
+            </a:endParaRPr>
+          </a:p>
+          <a:p>
+            <a:pPr marL="685800" lvl="1" indent="-227330">
+              <a:lnSpc>
+                <a:spcPct val="90000"/>
+              </a:lnSpc>
+              <a:spcBef>
+                <a:spcPts val="499"/>
+              </a:spcBef>
+              <a:buClr>
+                <a:srgbClr val="000000"/>
+              </a:buClr>
+              <a:buFont typeface="Arial"/>
+              <a:buChar char="•"/>
+            </a:pPr>
+            <a:r>
+              <a:rPr lang="en-US" sz="2000" spc="-1" dirty="0">
+                <a:latin typeface="Calibri"/>
+                <a:ea typeface="+mn-lt"/>
+                <a:cs typeface="+mn-lt"/>
+              </a:rPr>
+              <a:t>curvyRoad_irregularShapeTrajectory</a:t>
+            </a:r>
+            <a:r>
+              <a:rPr lang="en-US" sz="2000" b="0" strike="noStrike" spc="-1" dirty="0">
+                <a:solidFill>
+                  <a:srgbClr val="000000"/>
+                </a:solidFill>
+                <a:latin typeface="Calibri"/>
+                <a:ea typeface="Calibri"/>
+              </a:rPr>
+              <a:t>.net.xml -  this describes SUMO road network </a:t>
+            </a:r>
+            <a:endParaRPr lang="en-US" sz="2000" b="0" strike="noStrike" spc="-1" dirty="0">
+              <a:latin typeface="Calibri"/>
+            </a:endParaRPr>
+          </a:p>
+          <a:p>
+            <a:pPr marL="685800" lvl="1" indent="-227330">
+              <a:lnSpc>
+                <a:spcPct val="90000"/>
+              </a:lnSpc>
+              <a:spcBef>
+                <a:spcPts val="499"/>
+              </a:spcBef>
+              <a:buClr>
+                <a:srgbClr val="000000"/>
+              </a:buClr>
+              <a:buFont typeface="Arial"/>
+              <a:buChar char="•"/>
+            </a:pPr>
+            <a:r>
+              <a:rPr lang="en-US" sz="2000" spc="-1" dirty="0">
+                <a:latin typeface="Calibri"/>
+                <a:ea typeface="+mn-lt"/>
+                <a:cs typeface="+mn-lt"/>
+              </a:rPr>
+              <a:t>curvyRoad_irregularShapeTrajectory</a:t>
+            </a:r>
+            <a:r>
+              <a:rPr lang="en-US" sz="2000" b="0" strike="noStrike" spc="-1" dirty="0">
+                <a:solidFill>
+                  <a:srgbClr val="000000"/>
+                </a:solidFill>
+                <a:latin typeface="Calibri"/>
+                <a:ea typeface="Calibri"/>
+              </a:rPr>
+              <a:t>.rou.xml - this describes simulation route </a:t>
+            </a:r>
+            <a:endParaRPr lang="en-US" sz="2000" b="0" strike="noStrike" spc="-1" dirty="0">
+              <a:latin typeface="Calibri"/>
+            </a:endParaRPr>
+          </a:p>
+          <a:p>
+            <a:pPr marL="685800" lvl="1" indent="-227330">
+              <a:lnSpc>
+                <a:spcPct val="90000"/>
+              </a:lnSpc>
+              <a:spcBef>
+                <a:spcPts val="499"/>
+              </a:spcBef>
+              <a:buClr>
+                <a:srgbClr val="000000"/>
+              </a:buClr>
+              <a:buFont typeface="Arial"/>
+              <a:buChar char="•"/>
+            </a:pPr>
+            <a:endParaRPr lang="en-US" sz="2000" b="0" strike="noStrike" spc="-1" dirty="0">
+              <a:latin typeface="Calibri"/>
+            </a:endParaRPr>
+          </a:p>
+        </p:txBody>
+      </p:sp>
+    </p:spTree>
+    <p:extLst>
+      <p:ext uri="{BB962C8B-B14F-4D97-AF65-F5344CB8AC3E}">
+        <p14:creationId xmlns:p14="http://schemas.microsoft.com/office/powerpoint/2010/main" val="254605558"/>
+      </p:ext>
+    </p:extLst>
+  </p:cSld>
+  <p:clrMapOvr>
+    <a:masterClrMapping/>
+  </p:clrMapOvr>
+  <p:timing>
+    <p:tnLst>
+      <p:par>
+        <p:cTn id="1" dur="indefinite" restart="never" nodeType="tmRoot">
+          <p:childTnLst>
+            <p:seq>
+              <p:cTn id="2" dur="indefinite" nodeType="mainSeq"/>
+              <p:prevCondLst>
+                <p:cond evt="onPrev" delay="0">
+                  <p:tgtEl>
+                    <p:sldTgt/>
+                  </p:tgtEl>
+                </p:cond>
+              </p:prevCondLst>
+              <p:nextCondLst>
+                <p:cond evt="onNext" delay="0">
+                  <p:tgtEl>
+                    <p:sldTgt/>
+                  </p:tgtEl>
+                </p:cond>
+              </p:nextCondLst>
+            </p:seq>
+          </p:childTnLst>
+        </p:cTn>
+      </p:par>
+    </p:tnLst>
+  </p:timing>
+</p:sld>
+</file>
+
+<file path=ppt/slides/slide16.xml><?xml version="1.0" encoding="utf-8"?>
+<p:sld xmlns:a="http://schemas.openxmlformats.org/drawingml/2006/main" xmlns:r="http://schemas.openxmlformats.org/officeDocument/2006/relationships" xmlns:p="http://schemas.openxmlformats.org/presentationml/2006/main">
+  <p:cSld>
+    <p:spTree>
+      <p:nvGrpSpPr>
+        <p:cNvPr id="1" name=""/>
+        <p:cNvGrpSpPr/>
+        <p:nvPr/>
+      </p:nvGrpSpPr>
+      <p:grpSpPr>
+        <a:xfrm>
+          <a:off x="0" y="0"/>
+          <a:ext cx="0" cy="0"/>
+          <a:chOff x="0" y="0"/>
+          <a:chExt cx="0" cy="0"/>
+        </a:xfrm>
+      </p:grpSpPr>
+      <p:sp>
+        <p:nvSpPr>
+          <p:cNvPr id="81" name="CustomShape 1"/>
+          <p:cNvSpPr/>
+          <p:nvPr/>
+        </p:nvSpPr>
+        <p:spPr>
+          <a:xfrm>
+            <a:off x="154056" y="215852"/>
+            <a:ext cx="10514520" cy="1324440"/>
+          </a:xfrm>
+          <a:prstGeom prst="rect">
+            <a:avLst/>
+          </a:prstGeom>
+          <a:noFill/>
+          <a:ln>
+            <a:noFill/>
+          </a:ln>
+        </p:spPr>
+        <p:style>
+          <a:lnRef idx="0">
+            <a:scrgbClr r="0" g="0" b="0"/>
+          </a:lnRef>
+          <a:fillRef idx="0">
+            <a:scrgbClr r="0" g="0" b="0"/>
+          </a:fillRef>
+          <a:effectRef idx="0">
+            <a:scrgbClr r="0" g="0" b="0"/>
+          </a:effectRef>
+          <a:fontRef idx="minor"/>
+        </p:style>
+        <p:txBody>
+          <a:bodyPr lIns="90000" tIns="45000" rIns="90000" bIns="45000" anchor="ctr">
+            <a:normAutofit/>
+          </a:bodyPr>
+          <a:lstStyle/>
+          <a:p>
+            <a:pPr>
+              <a:lnSpc>
+                <a:spcPct val="90000"/>
+              </a:lnSpc>
+            </a:pPr>
+            <a:r>
+              <a:rPr lang="en-US" sz="4400" b="0" strike="noStrike" spc="-1">
+                <a:solidFill>
+                  <a:srgbClr val="000000"/>
+                </a:solidFill>
+                <a:latin typeface="Calibri Light"/>
+                <a:ea typeface="DejaVu Sans"/>
+              </a:rPr>
+              <a:t>Step 1. Navigate to the folder of data files and script, open a terminal.   </a:t>
+            </a:r>
+            <a:endParaRPr lang="en-US" sz="4400" b="0" strike="noStrike" spc="-1">
+              <a:latin typeface="Arial"/>
+            </a:endParaRPr>
+          </a:p>
+        </p:txBody>
+      </p:sp>
+      <p:pic>
+        <p:nvPicPr>
+          <p:cNvPr id="2" name="Picture 2" descr="Text&#10;&#10;Description automatically generated">
+            <a:extLst>
+              <a:ext uri="{FF2B5EF4-FFF2-40B4-BE49-F238E27FC236}">
+                <a16:creationId xmlns:a16="http://schemas.microsoft.com/office/drawing/2014/main" id="{5BF27B59-197A-7059-151D-B918A76FD9C9}"/>
+              </a:ext>
+            </a:extLst>
+          </p:cNvPr>
+          <p:cNvPicPr>
+            <a:picLocks noChangeAspect="1"/>
+          </p:cNvPicPr>
+          <p:nvPr/>
+        </p:nvPicPr>
+        <p:blipFill rotWithShape="1">
+          <a:blip r:embed="rId2"/>
+          <a:srcRect r="1378" b="76896"/>
+          <a:stretch/>
+        </p:blipFill>
+        <p:spPr>
+          <a:xfrm>
+            <a:off x="1857614" y="2310799"/>
+            <a:ext cx="9103981" cy="1419827"/>
+          </a:xfrm>
+          <a:prstGeom prst="rect">
+            <a:avLst/>
+          </a:prstGeom>
+        </p:spPr>
+      </p:pic>
+    </p:spTree>
+    <p:extLst>
+      <p:ext uri="{BB962C8B-B14F-4D97-AF65-F5344CB8AC3E}">
+        <p14:creationId xmlns:p14="http://schemas.microsoft.com/office/powerpoint/2010/main" val="3051460131"/>
+      </p:ext>
+    </p:extLst>
+  </p:cSld>
+  <p:clrMapOvr>
+    <a:masterClrMapping/>
+  </p:clrMapOvr>
+  <p:timing>
+    <p:tnLst>
+      <p:par>
+        <p:cTn id="1" dur="indefinite" restart="never" nodeType="tmRoot">
+          <p:childTnLst>
+            <p:seq>
+              <p:cTn id="2" dur="indefinite" nodeType="mainSeq"/>
+              <p:prevCondLst>
+                <p:cond evt="onPrev" delay="0">
+                  <p:tgtEl>
+                    <p:sldTgt/>
+                  </p:tgtEl>
+                </p:cond>
+              </p:prevCondLst>
+              <p:nextCondLst>
+                <p:cond evt="onNext" delay="0">
+                  <p:tgtEl>
+                    <p:sldTgt/>
+                  </p:tgtEl>
+                </p:cond>
+              </p:nextCondLst>
+            </p:seq>
+          </p:childTnLst>
+        </p:cTn>
+      </p:par>
+    </p:tnLst>
+  </p:timing>
+</p:sld>
+</file>
+
+<file path=ppt/slides/slide17.xml><?xml version="1.0" encoding="utf-8"?>
+<p:sld xmlns:a="http://schemas.openxmlformats.org/drawingml/2006/main" xmlns:r="http://schemas.openxmlformats.org/officeDocument/2006/relationships" xmlns:p="http://schemas.openxmlformats.org/presentationml/2006/main">
+  <p:cSld>
+    <p:spTree>
+      <p:nvGrpSpPr>
+        <p:cNvPr id="1" name=""/>
+        <p:cNvGrpSpPr/>
+        <p:nvPr/>
+      </p:nvGrpSpPr>
+      <p:grpSpPr>
+        <a:xfrm>
+          <a:off x="0" y="0"/>
+          <a:ext cx="0" cy="0"/>
+          <a:chOff x="0" y="0"/>
+          <a:chExt cx="0" cy="0"/>
+        </a:xfrm>
+      </p:grpSpPr>
+      <p:sp>
+        <p:nvSpPr>
+          <p:cNvPr id="83" name="CustomShape 1"/>
+          <p:cNvSpPr/>
+          <p:nvPr/>
+        </p:nvSpPr>
+        <p:spPr>
+          <a:xfrm>
+            <a:off x="208848" y="99501"/>
+            <a:ext cx="11304360" cy="1324440"/>
+          </a:xfrm>
+          <a:prstGeom prst="rect">
+            <a:avLst/>
+          </a:prstGeom>
+          <a:noFill/>
+          <a:ln>
+            <a:noFill/>
+          </a:ln>
+        </p:spPr>
+        <p:style>
+          <a:lnRef idx="0">
+            <a:scrgbClr r="0" g="0" b="0"/>
+          </a:lnRef>
+          <a:fillRef idx="0">
+            <a:scrgbClr r="0" g="0" b="0"/>
+          </a:fillRef>
+          <a:effectRef idx="0">
+            <a:scrgbClr r="0" g="0" b="0"/>
+          </a:effectRef>
+          <a:fontRef idx="minor"/>
+        </p:style>
+        <p:txBody>
+          <a:bodyPr lIns="90000" tIns="45000" rIns="90000" bIns="45000" anchor="ctr">
+            <a:noAutofit/>
+          </a:bodyPr>
+          <a:lstStyle/>
+          <a:p>
+            <a:pPr>
+              <a:lnSpc>
+                <a:spcPct val="90000"/>
+              </a:lnSpc>
+            </a:pPr>
+            <a:r>
+              <a:rPr lang="en-US" sz="2600" b="0" strike="noStrike" spc="-1">
+                <a:solidFill>
+                  <a:srgbClr val="000000"/>
+                </a:solidFill>
+                <a:latin typeface="Calibri Light"/>
+                <a:ea typeface="DejaVu Sans"/>
+              </a:rPr>
+              <a:t>Step 2. Run the script by running command "python3 script_testFcn_fcn_CommandVehTrajectory.py</a:t>
+            </a:r>
+            <a:r>
+              <a:rPr lang="en-US" sz="2600" b="0" strike="noStrike" spc="-1">
+                <a:solidFill>
+                  <a:srgbClr val="000000"/>
+                </a:solidFill>
+                <a:latin typeface="Calibri Light"/>
+                <a:ea typeface="Calibri Light"/>
+              </a:rPr>
+              <a:t>". This script calls the function fcn_CommandVehTrajectory.py, which calls SUMO using python API, takes user's input of commanded trajectory in x and y, and run the simulation. </a:t>
+            </a:r>
+            <a:endParaRPr lang="en-US" sz="2600" b="0" strike="noStrike" spc="-1">
+              <a:latin typeface="Arial"/>
+            </a:endParaRPr>
+          </a:p>
+        </p:txBody>
+      </p:sp>
+      <p:pic>
+        <p:nvPicPr>
+          <p:cNvPr id="3" name="Picture 3" descr="Graphical user interface, text, application, email&#10;&#10;Description automatically generated">
+            <a:extLst>
+              <a:ext uri="{FF2B5EF4-FFF2-40B4-BE49-F238E27FC236}">
+                <a16:creationId xmlns:a16="http://schemas.microsoft.com/office/drawing/2014/main" id="{481B0232-08A5-9CCB-F855-557672DC5A14}"/>
+              </a:ext>
+            </a:extLst>
+          </p:cNvPr>
+          <p:cNvPicPr>
+            <a:picLocks noChangeAspect="1"/>
+          </p:cNvPicPr>
+          <p:nvPr/>
+        </p:nvPicPr>
+        <p:blipFill>
+          <a:blip r:embed="rId2"/>
+          <a:stretch>
+            <a:fillRect/>
+          </a:stretch>
+        </p:blipFill>
+        <p:spPr>
+          <a:xfrm>
+            <a:off x="442685" y="1560380"/>
+            <a:ext cx="11379200" cy="5087070"/>
+          </a:xfrm>
+          <a:prstGeom prst="rect">
+            <a:avLst/>
+          </a:prstGeom>
+        </p:spPr>
+      </p:pic>
+    </p:spTree>
+    <p:extLst>
+      <p:ext uri="{BB962C8B-B14F-4D97-AF65-F5344CB8AC3E}">
+        <p14:creationId xmlns:p14="http://schemas.microsoft.com/office/powerpoint/2010/main" val="3427220953"/>
+      </p:ext>
+    </p:extLst>
+  </p:cSld>
+  <p:clrMapOvr>
+    <a:masterClrMapping/>
+  </p:clrMapOvr>
+  <p:timing>
+    <p:tnLst>
+      <p:par>
+        <p:cTn id="1" dur="indefinite" restart="never" nodeType="tmRoot">
+          <p:childTnLst>
+            <p:seq>
+              <p:cTn id="2" dur="indefinite" nodeType="mainSeq"/>
+              <p:prevCondLst>
+                <p:cond evt="onPrev" delay="0">
+                  <p:tgtEl>
+                    <p:sldTgt/>
+                  </p:tgtEl>
+                </p:cond>
+              </p:prevCondLst>
+              <p:nextCondLst>
+                <p:cond evt="onNext" delay="0">
+                  <p:tgtEl>
+                    <p:sldTgt/>
+                  </p:tgtEl>
+                </p:cond>
+              </p:nextCondLst>
+            </p:seq>
+          </p:childTnLst>
+        </p:cTn>
+      </p:par>
+    </p:tnLst>
+  </p:timing>
+</p:sld>
+</file>
+
+<file path=ppt/slides/slide18.xml><?xml version="1.0" encoding="utf-8"?>
+<p:sld xmlns:a="http://schemas.openxmlformats.org/drawingml/2006/main" xmlns:r="http://schemas.openxmlformats.org/officeDocument/2006/relationships" xmlns:p="http://schemas.openxmlformats.org/presentationml/2006/main">
+  <p:cSld>
+    <p:spTree>
+      <p:nvGrpSpPr>
+        <p:cNvPr id="1" name=""/>
+        <p:cNvGrpSpPr/>
+        <p:nvPr/>
+      </p:nvGrpSpPr>
+      <p:grpSpPr>
+        <a:xfrm>
+          <a:off x="0" y="0"/>
+          <a:ext cx="0" cy="0"/>
+          <a:chOff x="0" y="0"/>
+          <a:chExt cx="0" cy="0"/>
+        </a:xfrm>
+      </p:grpSpPr>
+      <p:sp>
+        <p:nvSpPr>
+          <p:cNvPr id="85" name="CustomShape 1"/>
+          <p:cNvSpPr/>
+          <p:nvPr/>
+        </p:nvSpPr>
+        <p:spPr>
+          <a:xfrm>
+            <a:off x="306720" y="176400"/>
+            <a:ext cx="11304360" cy="1324440"/>
+          </a:xfrm>
+          <a:prstGeom prst="rect">
+            <a:avLst/>
+          </a:prstGeom>
+          <a:noFill/>
+          <a:ln>
+            <a:noFill/>
+          </a:ln>
+        </p:spPr>
+        <p:style>
+          <a:lnRef idx="0">
+            <a:scrgbClr r="0" g="0" b="0"/>
+          </a:lnRef>
+          <a:fillRef idx="0">
+            <a:scrgbClr r="0" g="0" b="0"/>
+          </a:fillRef>
+          <a:effectRef idx="0">
+            <a:scrgbClr r="0" g="0" b="0"/>
+          </a:effectRef>
+          <a:fontRef idx="minor"/>
+        </p:style>
+        <p:txBody>
+          <a:bodyPr lIns="90000" tIns="45000" rIns="90000" bIns="45000" anchor="ctr">
+            <a:normAutofit fontScale="92500" lnSpcReduction="10000"/>
+          </a:bodyPr>
+          <a:lstStyle/>
+          <a:p>
+            <a:pPr>
+              <a:lnSpc>
+                <a:spcPct val="90000"/>
+              </a:lnSpc>
+            </a:pPr>
+            <a:r>
+              <a:rPr lang="en-US" sz="2600" b="0" strike="noStrike" spc="-1" dirty="0">
+                <a:solidFill>
+                  <a:srgbClr val="000000"/>
+                </a:solidFill>
+                <a:latin typeface="Calibri Light"/>
+                <a:ea typeface="DejaVu Sans"/>
+              </a:rPr>
+              <a:t>Step 2. Run the script by running command "python3 script_testFcn_fcn_CommandVehTrajectory.py</a:t>
+            </a:r>
+            <a:r>
+              <a:rPr lang="en-US" sz="2600" b="0" strike="noStrike" spc="-1" dirty="0">
+                <a:solidFill>
+                  <a:srgbClr val="000000"/>
+                </a:solidFill>
+                <a:latin typeface="Calibri Light"/>
+                <a:ea typeface="Calibri Light"/>
+              </a:rPr>
+              <a:t>". This script calls the function fcn_CommandVehTrajectory.py, which calls SUMO using python API, takes user's input of commanded trajectory in x and y, and run the simulation. </a:t>
+            </a:r>
+            <a:endParaRPr lang="en-US" sz="2600" b="0" strike="noStrike" spc="-1">
+              <a:latin typeface="Arial"/>
+            </a:endParaRPr>
+          </a:p>
+        </p:txBody>
+      </p:sp>
+      <p:sp>
+        <p:nvSpPr>
+          <p:cNvPr id="3" name="TextBox 2">
+            <a:extLst>
+              <a:ext uri="{FF2B5EF4-FFF2-40B4-BE49-F238E27FC236}">
+                <a16:creationId xmlns:a16="http://schemas.microsoft.com/office/drawing/2014/main" id="{4C949E2C-47D4-18C2-AFAF-5D76118B1A39}"/>
+              </a:ext>
+            </a:extLst>
+          </p:cNvPr>
+          <p:cNvSpPr txBox="1"/>
+          <p:nvPr/>
+        </p:nvSpPr>
+        <p:spPr>
+          <a:xfrm>
+            <a:off x="1299029" y="3272971"/>
+            <a:ext cx="8202258" cy="1477328"/>
+          </a:xfrm>
+          <a:prstGeom prst="rect">
+            <a:avLst/>
+          </a:prstGeom>
+          <a:noFill/>
+        </p:spPr>
+        <p:txBody>
+          <a:bodyPr rot="0" spcFirstLastPara="0" vertOverflow="overflow" horzOverflow="overflow" vert="horz" wrap="square" lIns="91440" tIns="45720" rIns="91440" bIns="45720" numCol="1" spcCol="0" rtlCol="0" fromWordArt="0" anchor="t" anchorCtr="0" forceAA="0" compatLnSpc="1">
+            <a:prstTxWarp prst="textNoShape">
+              <a:avLst/>
+            </a:prstTxWarp>
+            <a:spAutoFit/>
+          </a:bodyPr>
+          <a:lstStyle/>
+          <a:p>
+            <a:r>
+              <a:rPr lang="en-US" dirty="0"/>
+              <a:t>Note that in this example, the inputs given to the script are:</a:t>
+            </a:r>
+          </a:p>
+          <a:p>
+            <a:pPr marL="285750" indent="-285750">
+              <a:buFont typeface="Arial"/>
+              <a:buChar char="•"/>
+            </a:pPr>
+            <a:r>
+              <a:rPr lang="en-US" dirty="0" err="1"/>
+              <a:t>InputFilePath</a:t>
+            </a:r>
+            <a:r>
+              <a:rPr lang="en-US" dirty="0"/>
+              <a:t> = "./</a:t>
+            </a:r>
+            <a:r>
+              <a:rPr lang="en-US" dirty="0">
+                <a:ea typeface="+mn-lt"/>
+                <a:cs typeface="+mn-lt"/>
+              </a:rPr>
+              <a:t>curvyRoad_irregularShapeTrajectory_Input</a:t>
+            </a:r>
+            <a:r>
+              <a:rPr lang="en-US" dirty="0">
+                <a:cs typeface="Arial"/>
+              </a:rPr>
+              <a:t>.csv</a:t>
+            </a:r>
+            <a:r>
+              <a:rPr lang="en-US" dirty="0"/>
+              <a:t>" </a:t>
+            </a:r>
+          </a:p>
+          <a:p>
+            <a:pPr marL="285750" indent="-285750">
+              <a:buFont typeface="Arial"/>
+              <a:buChar char="•"/>
+            </a:pPr>
+            <a:r>
+              <a:rPr lang="en-US" dirty="0" err="1">
+                <a:ea typeface="+mn-lt"/>
+                <a:cs typeface="+mn-lt"/>
+              </a:rPr>
+              <a:t>OutputFilePath</a:t>
+            </a:r>
+            <a:r>
+              <a:rPr lang="en-US" dirty="0">
+                <a:ea typeface="+mn-lt"/>
+                <a:cs typeface="+mn-lt"/>
+              </a:rPr>
+              <a:t> = "./curvyRoad_irregularShapeTrajectory_Output.csv"</a:t>
+            </a:r>
+          </a:p>
+          <a:p>
+            <a:pPr marL="285750" indent="-285750">
+              <a:buFont typeface="Arial"/>
+              <a:buChar char="•"/>
+            </a:pPr>
+            <a:r>
+              <a:rPr lang="en-US" dirty="0" err="1">
+                <a:ea typeface="+mn-lt"/>
+                <a:cs typeface="+mn-lt"/>
+              </a:rPr>
+              <a:t>SimConfigFilePath</a:t>
+            </a:r>
+            <a:r>
+              <a:rPr lang="en-US" dirty="0">
+                <a:ea typeface="+mn-lt"/>
+                <a:cs typeface="+mn-lt"/>
+              </a:rPr>
+              <a:t> = "./</a:t>
+            </a:r>
+            <a:r>
+              <a:rPr lang="en-US" dirty="0" err="1">
+                <a:ea typeface="+mn-lt"/>
+                <a:cs typeface="+mn-lt"/>
+              </a:rPr>
+              <a:t>curvyRoad_irregularShapeTrajectory.sumocfg</a:t>
+            </a:r>
+            <a:r>
+              <a:rPr lang="en-US" dirty="0">
+                <a:ea typeface="+mn-lt"/>
+                <a:cs typeface="+mn-lt"/>
+              </a:rPr>
+              <a:t>"</a:t>
+            </a:r>
+          </a:p>
+          <a:p>
+            <a:pPr marL="285750" indent="-285750">
+              <a:buFont typeface="Arial"/>
+              <a:buChar char="•"/>
+            </a:pPr>
+            <a:r>
+              <a:rPr lang="en-US" dirty="0" err="1">
+                <a:ea typeface="+mn-lt"/>
+                <a:cs typeface="+mn-lt"/>
+              </a:rPr>
+              <a:t>Veh_id</a:t>
+            </a:r>
+            <a:r>
+              <a:rPr lang="en-US" dirty="0">
+                <a:ea typeface="+mn-lt"/>
+                <a:cs typeface="+mn-lt"/>
+              </a:rPr>
+              <a:t> = "veh_0"</a:t>
+            </a:r>
+          </a:p>
+        </p:txBody>
+      </p:sp>
+      <p:pic>
+        <p:nvPicPr>
+          <p:cNvPr id="4" name="Picture 3" descr="Text&#10;&#10;Description automatically generated">
+            <a:extLst>
+              <a:ext uri="{FF2B5EF4-FFF2-40B4-BE49-F238E27FC236}">
+                <a16:creationId xmlns:a16="http://schemas.microsoft.com/office/drawing/2014/main" id="{852430D8-453D-39F5-043E-EC032B49DB5E}"/>
+              </a:ext>
+            </a:extLst>
+          </p:cNvPr>
+          <p:cNvPicPr>
+            <a:picLocks noChangeAspect="1"/>
+          </p:cNvPicPr>
+          <p:nvPr/>
+        </p:nvPicPr>
+        <p:blipFill rotWithShape="1">
+          <a:blip r:embed="rId2"/>
+          <a:srcRect r="138" b="77131"/>
+          <a:stretch/>
+        </p:blipFill>
+        <p:spPr>
+          <a:xfrm>
+            <a:off x="1037095" y="1677601"/>
+            <a:ext cx="8923151" cy="1361718"/>
+          </a:xfrm>
+          <a:prstGeom prst="rect">
+            <a:avLst/>
+          </a:prstGeom>
+        </p:spPr>
+      </p:pic>
+    </p:spTree>
+    <p:extLst>
+      <p:ext uri="{BB962C8B-B14F-4D97-AF65-F5344CB8AC3E}">
+        <p14:creationId xmlns:p14="http://schemas.microsoft.com/office/powerpoint/2010/main" val="1619988978"/>
+      </p:ext>
+    </p:extLst>
+  </p:cSld>
+  <p:clrMapOvr>
+    <a:masterClrMapping/>
+  </p:clrMapOvr>
+  <p:timing>
+    <p:tnLst>
+      <p:par>
+        <p:cTn id="1" dur="indefinite" restart="never" nodeType="tmRoot">
+          <p:childTnLst>
+            <p:seq>
+              <p:cTn id="2" dur="indefinite" nodeType="mainSeq"/>
+              <p:prevCondLst>
+                <p:cond evt="onPrev" delay="0">
+                  <p:tgtEl>
+                    <p:sldTgt/>
+                  </p:tgtEl>
+                </p:cond>
+              </p:prevCondLst>
+              <p:nextCondLst>
+                <p:cond evt="onNext" delay="0">
+                  <p:tgtEl>
+                    <p:sldTgt/>
+                  </p:tgtEl>
+                </p:cond>
+              </p:nextCondLst>
+            </p:seq>
+          </p:childTnLst>
+        </p:cTn>
+      </p:par>
+    </p:tnLst>
+  </p:timing>
+</p:sld>
+</file>
+
+<file path=ppt/slides/slide19.xml><?xml version="1.0" encoding="utf-8"?>
+<p:sld xmlns:a="http://schemas.openxmlformats.org/drawingml/2006/main" xmlns:r="http://schemas.openxmlformats.org/officeDocument/2006/relationships" xmlns:p="http://schemas.openxmlformats.org/presentationml/2006/main">
+  <p:cSld>
+    <p:spTree>
+      <p:nvGrpSpPr>
+        <p:cNvPr id="1" name=""/>
+        <p:cNvGrpSpPr/>
+        <p:nvPr/>
+      </p:nvGrpSpPr>
+      <p:grpSpPr>
+        <a:xfrm>
+          <a:off x="0" y="0"/>
+          <a:ext cx="0" cy="0"/>
+          <a:chOff x="0" y="0"/>
+          <a:chExt cx="0" cy="0"/>
+        </a:xfrm>
+      </p:grpSpPr>
+      <p:pic>
+        <p:nvPicPr>
+          <p:cNvPr id="2" name="Picture 2" descr="Graphical user interface, text, application&#10;&#10;Description automatically generated">
+            <a:extLst>
+              <a:ext uri="{FF2B5EF4-FFF2-40B4-BE49-F238E27FC236}">
+                <a16:creationId xmlns:a16="http://schemas.microsoft.com/office/drawing/2014/main" id="{87A18FB6-C9F5-5A1F-9957-2CE91EFB1B2F}"/>
+              </a:ext>
+            </a:extLst>
+          </p:cNvPr>
+          <p:cNvPicPr>
+            <a:picLocks noChangeAspect="1"/>
+          </p:cNvPicPr>
+          <p:nvPr/>
+        </p:nvPicPr>
+        <p:blipFill>
+          <a:blip r:embed="rId2"/>
+          <a:stretch>
+            <a:fillRect/>
+          </a:stretch>
+        </p:blipFill>
+        <p:spPr>
+          <a:xfrm>
+            <a:off x="1044955" y="2586648"/>
+            <a:ext cx="2743200" cy="1133554"/>
+          </a:xfrm>
+          <a:prstGeom prst="rect">
+            <a:avLst/>
+          </a:prstGeom>
+        </p:spPr>
+      </p:pic>
+      <p:sp>
+        <p:nvSpPr>
+          <p:cNvPr id="87" name="CustomShape 1"/>
+          <p:cNvSpPr/>
+          <p:nvPr/>
+        </p:nvSpPr>
+        <p:spPr>
+          <a:xfrm>
+            <a:off x="457200" y="182880"/>
+            <a:ext cx="10514520" cy="1324440"/>
+          </a:xfrm>
+          <a:prstGeom prst="rect">
+            <a:avLst/>
+          </a:prstGeom>
+          <a:noFill/>
+          <a:ln>
+            <a:noFill/>
+          </a:ln>
+        </p:spPr>
+        <p:style>
+          <a:lnRef idx="0">
+            <a:scrgbClr r="0" g="0" b="0"/>
+          </a:lnRef>
+          <a:fillRef idx="0">
+            <a:scrgbClr r="0" g="0" b="0"/>
+          </a:fillRef>
+          <a:effectRef idx="0">
+            <a:scrgbClr r="0" g="0" b="0"/>
+          </a:effectRef>
+          <a:fontRef idx="minor"/>
+        </p:style>
+        <p:txBody>
+          <a:bodyPr lIns="0" tIns="0" rIns="0" bIns="0" anchor="ctr"/>
+          <a:lstStyle/>
+          <a:p>
+            <a:r>
+              <a:rPr lang="en-US" sz="2400" b="0" strike="noStrike" spc="-1" dirty="0">
+                <a:solidFill>
+                  <a:srgbClr val="000000"/>
+                </a:solidFill>
+                <a:latin typeface="Calibri"/>
+                <a:ea typeface="DejaVu Sans"/>
+              </a:rPr>
+              <a:t>Step 3. </a:t>
+            </a:r>
+            <a:r>
+              <a:rPr lang="en-US" sz="2400" spc="-1" dirty="0">
+                <a:solidFill>
+                  <a:srgbClr val="000000"/>
+                </a:solidFill>
+                <a:latin typeface="Calibri"/>
+                <a:ea typeface="DejaVu Sans"/>
+              </a:rPr>
+              <a:t>Once simulation ends, close </a:t>
+            </a:r>
+            <a:r>
+              <a:rPr lang="en-US" sz="2400" b="0" strike="noStrike" spc="-1" dirty="0">
+                <a:solidFill>
+                  <a:srgbClr val="000000"/>
+                </a:solidFill>
+                <a:latin typeface="Calibri"/>
+                <a:ea typeface="DejaVu Sans"/>
+              </a:rPr>
+              <a:t>SUMO to end the script. Please note that you have to close SUMO to end the script so that output file can be written.</a:t>
+            </a:r>
+            <a:r>
+              <a:rPr lang="en-US" sz="2400" spc="-1" dirty="0">
+                <a:solidFill>
+                  <a:srgbClr val="000000"/>
+                </a:solidFill>
+                <a:latin typeface="Calibri"/>
+                <a:ea typeface="DejaVu Sans"/>
+              </a:rPr>
+              <a:t> </a:t>
+            </a:r>
+            <a:endParaRPr lang="en-US" sz="2400" b="0" strike="noStrike" spc="-1">
+              <a:latin typeface="Arial"/>
+            </a:endParaRPr>
+          </a:p>
+        </p:txBody>
+      </p:sp>
+      <p:pic>
+        <p:nvPicPr>
+          <p:cNvPr id="89" name="Picture 88"/>
+          <p:cNvPicPr/>
+          <p:nvPr/>
+        </p:nvPicPr>
+        <p:blipFill>
+          <a:blip r:embed="rId3"/>
+          <a:stretch/>
+        </p:blipFill>
+        <p:spPr>
+          <a:xfrm>
+            <a:off x="5943600" y="1371600"/>
+            <a:ext cx="5558760" cy="4388040"/>
+          </a:xfrm>
+          <a:prstGeom prst="rect">
+            <a:avLst/>
+          </a:prstGeom>
+          <a:ln>
+            <a:noFill/>
+          </a:ln>
+        </p:spPr>
+      </p:pic>
+      <p:sp>
+        <p:nvSpPr>
+          <p:cNvPr id="90" name="CustomShape 2"/>
+          <p:cNvSpPr/>
+          <p:nvPr/>
+        </p:nvSpPr>
+        <p:spPr>
+          <a:xfrm>
+            <a:off x="1280160" y="3017520"/>
+            <a:ext cx="913680" cy="913680"/>
+          </a:xfrm>
+          <a:prstGeom prst="ellipse">
+            <a:avLst/>
+          </a:prstGeom>
+          <a:noFill/>
+          <a:ln w="29160">
+            <a:solidFill>
+              <a:srgbClr val="ED1C24"/>
+            </a:solidFill>
+            <a:round/>
+          </a:ln>
+        </p:spPr>
+        <p:style>
+          <a:lnRef idx="0">
+            <a:scrgbClr r="0" g="0" b="0"/>
+          </a:lnRef>
+          <a:fillRef idx="0">
+            <a:scrgbClr r="0" g="0" b="0"/>
+          </a:fillRef>
+          <a:effectRef idx="0">
+            <a:scrgbClr r="0" g="0" b="0"/>
+          </a:effectRef>
+          <a:fontRef idx="minor"/>
+        </p:style>
+      </p:sp>
+      <p:sp>
+        <p:nvSpPr>
+          <p:cNvPr id="91" name="CustomShape 3"/>
+          <p:cNvSpPr/>
+          <p:nvPr/>
+        </p:nvSpPr>
+        <p:spPr>
+          <a:xfrm>
+            <a:off x="1280520" y="3017880"/>
+            <a:ext cx="913680" cy="913680"/>
+          </a:xfrm>
+          <a:prstGeom prst="ellipse">
+            <a:avLst/>
+          </a:prstGeom>
+          <a:noFill/>
+          <a:ln w="29160">
+            <a:solidFill>
+              <a:srgbClr val="ED1C24"/>
+            </a:solidFill>
+            <a:round/>
+          </a:ln>
+        </p:spPr>
+        <p:style>
+          <a:lnRef idx="0">
+            <a:scrgbClr r="0" g="0" b="0"/>
+          </a:lnRef>
+          <a:fillRef idx="0">
+            <a:scrgbClr r="0" g="0" b="0"/>
+          </a:fillRef>
+          <a:effectRef idx="0">
+            <a:scrgbClr r="0" g="0" b="0"/>
+          </a:effectRef>
+          <a:fontRef idx="minor"/>
+        </p:style>
+      </p:sp>
+      <p:sp>
+        <p:nvSpPr>
+          <p:cNvPr id="92" name="CustomShape 4"/>
+          <p:cNvSpPr/>
+          <p:nvPr/>
+        </p:nvSpPr>
+        <p:spPr>
+          <a:xfrm>
+            <a:off x="11155680" y="1097280"/>
+            <a:ext cx="730800" cy="639360"/>
+          </a:xfrm>
+          <a:prstGeom prst="ellipse">
+            <a:avLst/>
+          </a:prstGeom>
+          <a:noFill/>
+          <a:ln w="29160">
+            <a:solidFill>
+              <a:srgbClr val="ED1C24"/>
+            </a:solidFill>
+            <a:round/>
+          </a:ln>
+        </p:spPr>
+        <p:style>
+          <a:lnRef idx="0">
+            <a:scrgbClr r="0" g="0" b="0"/>
+          </a:lnRef>
+          <a:fillRef idx="0">
+            <a:scrgbClr r="0" g="0" b="0"/>
+          </a:fillRef>
+          <a:effectRef idx="0">
+            <a:scrgbClr r="0" g="0" b="0"/>
+          </a:effectRef>
+          <a:fontRef idx="minor"/>
+        </p:style>
+      </p:sp>
+    </p:spTree>
+    <p:extLst>
+      <p:ext uri="{BB962C8B-B14F-4D97-AF65-F5344CB8AC3E}">
+        <p14:creationId xmlns:p14="http://schemas.microsoft.com/office/powerpoint/2010/main" val="1121031658"/>
+      </p:ext>
+    </p:extLst>
+  </p:cSld>
+  <p:clrMapOvr>
+    <a:masterClrMapping/>
+  </p:clrMapOvr>
+  <p:timing>
+    <p:tnLst>
+      <p:par>
+        <p:cTn id="1" dur="indefinite" restart="never" nodeType="tmRoot">
+          <p:childTnLst>
+            <p:seq>
+              <p:cTn id="2" dur="indefinite" nodeType="mainSeq"/>
+              <p:prevCondLst>
+                <p:cond evt="onPrev" delay="0">
+                  <p:tgtEl>
+                    <p:sldTgt/>
+                  </p:tgtEl>
+                </p:cond>
+              </p:prevCondLst>
+              <p:nextCondLst>
+                <p:cond evt="onNext" delay="0">
+                  <p:tgtEl>
+                    <p:sldTgt/>
+                  </p:tgtEl>
+                </p:cond>
+              </p:nextCondLst>
+            </p:seq>
+          </p:childTnLst>
+        </p:cTn>
+      </p:par>
+    </p:tnLst>
+  </p:timing>
+</p:sld>
+</file>
+
 <file path=ppt/slides/slide2.xml><?xml version="1.0" encoding="utf-8"?>
 <p:sld xmlns:a="http://schemas.openxmlformats.org/drawingml/2006/main" xmlns:r="http://schemas.openxmlformats.org/officeDocument/2006/relationships" xmlns:p="http://schemas.openxmlformats.org/presentationml/2006/main">
   <p:cSld>
@@ -4159,7 +6844,7 @@
         </p:nvSpPr>
         <p:spPr>
           <a:xfrm>
-            <a:off x="838080" y="365040"/>
+            <a:off x="746114" y="424161"/>
             <a:ext cx="10514520" cy="1324440"/>
           </a:xfrm>
           <a:prstGeom prst="rect">
@@ -4184,7 +6869,7 @@
         </p:style>
         <p:txBody>
           <a:bodyPr lIns="90000" tIns="45000" rIns="90000" bIns="45000" anchor="ctr">
-            <a:normAutofit/>
+            <a:normAutofit fontScale="85000" lnSpcReduction="20000"/>
           </a:bodyPr>
           <a:lstStyle/>
           <a:p>
@@ -4194,7 +6879,7 @@
               </a:lnSpc>
             </a:pPr>
             <a:r>
-              <a:rPr lang="en-US" sz="4400" b="0" strike="noStrike" spc="-1">
+              <a:rPr lang="en-US" sz="4400" b="0" strike="noStrike" spc="-1" dirty="0">
                 <a:solidFill>
                   <a:srgbClr val="000000"/>
                 </a:solidFill>
@@ -4203,7 +6888,671 @@
               </a:rPr>
               <a:t>The purpose of this presentation is to show how to command an AV to drive based on a trajectory.</a:t>
             </a:r>
+            <a:r>
+              <a:rPr lang="en-US" sz="4400" spc="-1" dirty="0">
+                <a:solidFill>
+                  <a:srgbClr val="000000"/>
+                </a:solidFill>
+                <a:latin typeface="Calibri Light"/>
+                <a:ea typeface="DejaVu Sans"/>
+              </a:rPr>
+              <a:t> This presentation described three examples:</a:t>
+            </a:r>
+          </a:p>
+          <a:p>
+            <a:pPr>
+              <a:lnSpc>
+                <a:spcPct val="90000"/>
+              </a:lnSpc>
+            </a:pPr>
+            <a:endParaRPr lang="en-US" sz="4400" spc="-1" dirty="0">
+              <a:latin typeface="Calibri Light"/>
+            </a:endParaRPr>
+          </a:p>
+        </p:txBody>
+      </p:sp>
+      <p:sp>
+        <p:nvSpPr>
+          <p:cNvPr id="2" name="TextBox 1">
+            <a:extLst>
+              <a:ext uri="{FF2B5EF4-FFF2-40B4-BE49-F238E27FC236}">
+                <a16:creationId xmlns:a16="http://schemas.microsoft.com/office/drawing/2014/main" id="{F14D8143-CB32-38BF-50FD-E229CCC19F42}"/>
+              </a:ext>
+            </a:extLst>
+          </p:cNvPr>
+          <p:cNvSpPr txBox="1"/>
+          <p:nvPr/>
+        </p:nvSpPr>
+        <p:spPr>
+          <a:xfrm>
+            <a:off x="1111468" y="2372711"/>
+            <a:ext cx="9542077" cy="1569660"/>
+          </a:xfrm>
+          <a:prstGeom prst="rect">
+            <a:avLst/>
+          </a:prstGeom>
+          <a:noFill/>
+        </p:spPr>
+        <p:txBody>
+          <a:bodyPr rot="0" spcFirstLastPara="0" vertOverflow="overflow" horzOverflow="overflow" vert="horz" wrap="square" lIns="91440" tIns="45720" rIns="91440" bIns="45720" numCol="1" spcCol="0" rtlCol="0" fromWordArt="0" anchor="t" anchorCtr="0" forceAA="0" compatLnSpc="1">
+            <a:prstTxWarp prst="textNoShape">
+              <a:avLst/>
+            </a:prstTxWarp>
+            <a:spAutoFit/>
+          </a:bodyPr>
+          <a:lstStyle/>
+          <a:p>
+            <a:pPr marL="457200" indent="-457200">
+              <a:buFont typeface="Arial"/>
+              <a:buChar char="•"/>
+            </a:pPr>
+            <a:r>
+              <a:rPr lang="en-US" sz="2400" dirty="0"/>
+              <a:t>Commanded a straight line trajectory to an AV</a:t>
+            </a:r>
+            <a:endParaRPr lang="en-US" sz="2400"/>
+          </a:p>
+          <a:p>
+            <a:pPr marL="457200" indent="-457200">
+              <a:buFont typeface="Arial"/>
+              <a:buChar char="•"/>
+            </a:pPr>
+            <a:r>
+              <a:rPr lang="en-US" sz="2400" dirty="0"/>
+              <a:t>Commanded a simple curved trajectory to an AV</a:t>
+            </a:r>
+          </a:p>
+          <a:p>
+            <a:pPr marL="457200" indent="-457200">
+              <a:buFont typeface="Arial"/>
+              <a:buChar char="•"/>
+            </a:pPr>
+            <a:r>
+              <a:rPr lang="en-US" sz="2400" dirty="0"/>
+              <a:t>Commanded a complex irregular-shaped curved trajectory to an AV</a:t>
+            </a:r>
+          </a:p>
+        </p:txBody>
+      </p:sp>
+    </p:spTree>
+  </p:cSld>
+  <p:clrMapOvr>
+    <a:masterClrMapping/>
+  </p:clrMapOvr>
+  <p:timing>
+    <p:tnLst>
+      <p:par>
+        <p:cTn id="1" dur="indefinite" restart="never" nodeType="tmRoot">
+          <p:childTnLst>
+            <p:seq>
+              <p:cTn id="2" dur="indefinite" nodeType="mainSeq"/>
+              <p:prevCondLst>
+                <p:cond evt="onPrev" delay="0">
+                  <p:tgtEl>
+                    <p:sldTgt/>
+                  </p:tgtEl>
+                </p:cond>
+              </p:prevCondLst>
+              <p:nextCondLst>
+                <p:cond evt="onNext" delay="0">
+                  <p:tgtEl>
+                    <p:sldTgt/>
+                  </p:tgtEl>
+                </p:cond>
+              </p:nextCondLst>
+            </p:seq>
+          </p:childTnLst>
+        </p:cTn>
+      </p:par>
+    </p:tnLst>
+  </p:timing>
+</p:sld>
+</file>
+
+<file path=ppt/slides/slide20.xml><?xml version="1.0" encoding="utf-8"?>
+<p:sld xmlns:a="http://schemas.openxmlformats.org/drawingml/2006/main" xmlns:r="http://schemas.openxmlformats.org/officeDocument/2006/relationships" xmlns:p="http://schemas.openxmlformats.org/presentationml/2006/main">
+  <p:cSld>
+    <p:spTree>
+      <p:nvGrpSpPr>
+        <p:cNvPr id="1" name=""/>
+        <p:cNvGrpSpPr/>
+        <p:nvPr/>
+      </p:nvGrpSpPr>
+      <p:grpSpPr>
+        <a:xfrm>
+          <a:off x="0" y="0"/>
+          <a:ext cx="0" cy="0"/>
+          <a:chOff x="0" y="0"/>
+          <a:chExt cx="0" cy="0"/>
+        </a:xfrm>
+      </p:grpSpPr>
+      <p:sp>
+        <p:nvSpPr>
+          <p:cNvPr id="93" name="CustomShape 1"/>
+          <p:cNvSpPr/>
+          <p:nvPr/>
+        </p:nvSpPr>
+        <p:spPr>
+          <a:xfrm>
+            <a:off x="182880" y="229320"/>
+            <a:ext cx="11192760" cy="1324440"/>
+          </a:xfrm>
+          <a:prstGeom prst="rect">
+            <a:avLst/>
+          </a:prstGeom>
+          <a:noFill/>
+          <a:ln>
+            <a:noFill/>
+          </a:ln>
+        </p:spPr>
+        <p:style>
+          <a:lnRef idx="0">
+            <a:scrgbClr r="0" g="0" b="0"/>
+          </a:lnRef>
+          <a:fillRef idx="0">
+            <a:scrgbClr r="0" g="0" b="0"/>
+          </a:fillRef>
+          <a:effectRef idx="0">
+            <a:scrgbClr r="0" g="0" b="0"/>
+          </a:effectRef>
+          <a:fontRef idx="minor"/>
+        </p:style>
+        <p:txBody>
+          <a:bodyPr lIns="90000" tIns="45000" rIns="90000" bIns="45000" anchor="ctr"/>
+          <a:lstStyle/>
+          <a:p>
+            <a:pPr>
+              <a:lnSpc>
+                <a:spcPct val="90000"/>
+              </a:lnSpc>
+            </a:pPr>
+            <a:r>
+              <a:rPr lang="en-US" sz="2400" b="0" strike="noStrike" spc="-1" dirty="0">
+                <a:solidFill>
+                  <a:srgbClr val="000000"/>
+                </a:solidFill>
+                <a:latin typeface="Calibri Light"/>
+                <a:ea typeface="DejaVu Sans"/>
+              </a:rPr>
+              <a:t>Step 4. Investigating the results. In this example, input trajectory is a </a:t>
+            </a:r>
+            <a:r>
+              <a:rPr lang="en-US" sz="2400" b="1" spc="-1" dirty="0">
+                <a:solidFill>
+                  <a:srgbClr val="000000"/>
+                </a:solidFill>
+                <a:latin typeface="Calibri Light"/>
+                <a:ea typeface="DejaVu Sans"/>
+              </a:rPr>
+              <a:t>complex irregular-shaped curved line</a:t>
+            </a:r>
+            <a:r>
+              <a:rPr lang="en-US" sz="2400" b="0" strike="noStrike" spc="-1" dirty="0">
+                <a:solidFill>
+                  <a:srgbClr val="000000"/>
+                </a:solidFill>
+                <a:latin typeface="Calibri Light"/>
+                <a:ea typeface="DejaVu Sans"/>
+              </a:rPr>
+              <a:t>. The results show that the actual output trajectory matches the input trajectory. Please note that the output file is in xml format. For how to convert it from xml to csv,</a:t>
+            </a:r>
+            <a:r>
+              <a:rPr lang="en-US" sz="2400" spc="-1" dirty="0">
+                <a:solidFill>
+                  <a:srgbClr val="000000"/>
+                </a:solidFill>
+                <a:latin typeface="Calibri Light"/>
+                <a:ea typeface="DejaVu Sans"/>
+              </a:rPr>
+              <a:t> </a:t>
+            </a:r>
+            <a:r>
+              <a:rPr lang="en-US" sz="2400" b="0" strike="noStrike" spc="-1" dirty="0">
+                <a:solidFill>
+                  <a:srgbClr val="000000"/>
+                </a:solidFill>
+                <a:latin typeface="Calibri Light"/>
+                <a:ea typeface="DejaVu Sans"/>
+              </a:rPr>
+              <a:t>please see the document "</a:t>
+            </a:r>
+            <a:r>
+              <a:rPr lang="en-US" sz="2400" b="0" u="sng" strike="noStrike" spc="-1" dirty="0">
+                <a:solidFill>
+                  <a:srgbClr val="0563C1"/>
+                </a:solidFill>
+                <a:uFillTx/>
+                <a:latin typeface="Calibri Light"/>
+                <a:ea typeface="Calibri Light"/>
+                <a:hlinkClick r:id="rId2"/>
+              </a:rPr>
+              <a:t>How to export SUMO simulation results.pptx</a:t>
+            </a:r>
+            <a:r>
+              <a:rPr lang="en-US" sz="3200" b="0" strike="noStrike" spc="-1" dirty="0">
+                <a:solidFill>
+                  <a:srgbClr val="000000"/>
+                </a:solidFill>
+                <a:latin typeface="Calibri Light"/>
+                <a:ea typeface="Calibri Light"/>
+              </a:rPr>
+              <a:t>"</a:t>
+            </a:r>
+            <a:endParaRPr lang="en-US" sz="3200" b="0" strike="noStrike" spc="-1" dirty="0">
+              <a:latin typeface="Arial"/>
+            </a:endParaRPr>
+          </a:p>
+        </p:txBody>
+      </p:sp>
+      <p:sp>
+        <p:nvSpPr>
+          <p:cNvPr id="3" name="TextBox 2">
+            <a:extLst>
+              <a:ext uri="{FF2B5EF4-FFF2-40B4-BE49-F238E27FC236}">
+                <a16:creationId xmlns:a16="http://schemas.microsoft.com/office/drawing/2014/main" id="{7CB998CC-9BF1-443E-5319-F55CACFB60D4}"/>
+              </a:ext>
+            </a:extLst>
+          </p:cNvPr>
+          <p:cNvSpPr txBox="1"/>
+          <p:nvPr/>
+        </p:nvSpPr>
+        <p:spPr>
+          <a:xfrm>
+            <a:off x="6943905" y="5898538"/>
+            <a:ext cx="2743200" cy="369332"/>
+          </a:xfrm>
+          <a:prstGeom prst="rect">
+            <a:avLst/>
+          </a:prstGeom>
+          <a:noFill/>
+        </p:spPr>
+        <p:txBody>
+          <a:bodyPr rot="0" spcFirstLastPara="0" vertOverflow="overflow" horzOverflow="overflow" vert="horz" wrap="square" lIns="91440" tIns="45720" rIns="91440" bIns="45720" numCol="1" spcCol="0" rtlCol="0" fromWordArt="0" anchor="t" anchorCtr="0" forceAA="0" compatLnSpc="1">
+            <a:prstTxWarp prst="textNoShape">
+              <a:avLst/>
+            </a:prstTxWarp>
+            <a:spAutoFit/>
+          </a:bodyPr>
+          <a:lstStyle/>
+          <a:p>
+            <a:r>
+              <a:rPr lang="en-US" dirty="0"/>
+              <a:t>Simulated road in SUMO</a:t>
+            </a:r>
+          </a:p>
+        </p:txBody>
+      </p:sp>
+      <p:pic>
+        <p:nvPicPr>
+          <p:cNvPr id="2" name="Picture 3" descr="Chart, line chart&#10;&#10;Description automatically generated">
+            <a:extLst>
+              <a:ext uri="{FF2B5EF4-FFF2-40B4-BE49-F238E27FC236}">
+                <a16:creationId xmlns:a16="http://schemas.microsoft.com/office/drawing/2014/main" id="{23FEB053-5810-0E54-F39D-953D2087E658}"/>
+              </a:ext>
+            </a:extLst>
+          </p:cNvPr>
+          <p:cNvPicPr>
+            <a:picLocks noChangeAspect="1"/>
+          </p:cNvPicPr>
+          <p:nvPr/>
+        </p:nvPicPr>
+        <p:blipFill>
+          <a:blip r:embed="rId3"/>
+          <a:stretch>
+            <a:fillRect/>
+          </a:stretch>
+        </p:blipFill>
+        <p:spPr>
+          <a:xfrm>
+            <a:off x="181934" y="2081323"/>
+            <a:ext cx="5342269" cy="4012609"/>
+          </a:xfrm>
+          <a:prstGeom prst="rect">
+            <a:avLst/>
+          </a:prstGeom>
+        </p:spPr>
+      </p:pic>
+      <p:pic>
+        <p:nvPicPr>
+          <p:cNvPr id="8" name="Picture 8" descr="Shape, circle&#10;&#10;Description automatically generated">
+            <a:extLst>
+              <a:ext uri="{FF2B5EF4-FFF2-40B4-BE49-F238E27FC236}">
+                <a16:creationId xmlns:a16="http://schemas.microsoft.com/office/drawing/2014/main" id="{C3AF8DEB-8400-9539-3E57-0832440B4F32}"/>
+              </a:ext>
+            </a:extLst>
+          </p:cNvPr>
+          <p:cNvPicPr>
+            <a:picLocks noChangeAspect="1"/>
+          </p:cNvPicPr>
+          <p:nvPr/>
+        </p:nvPicPr>
+        <p:blipFill>
+          <a:blip r:embed="rId4"/>
+          <a:stretch>
+            <a:fillRect/>
+          </a:stretch>
+        </p:blipFill>
+        <p:spPr>
+          <a:xfrm>
+            <a:off x="6077098" y="1935156"/>
+            <a:ext cx="4597990" cy="3820570"/>
+          </a:xfrm>
+          <a:prstGeom prst="rect">
+            <a:avLst/>
+          </a:prstGeom>
+        </p:spPr>
+      </p:pic>
+    </p:spTree>
+    <p:extLst>
+      <p:ext uri="{BB962C8B-B14F-4D97-AF65-F5344CB8AC3E}">
+        <p14:creationId xmlns:p14="http://schemas.microsoft.com/office/powerpoint/2010/main" val="189705126"/>
+      </p:ext>
+    </p:extLst>
+  </p:cSld>
+  <p:clrMapOvr>
+    <a:masterClrMapping/>
+  </p:clrMapOvr>
+  <p:timing>
+    <p:tnLst>
+      <p:par>
+        <p:cTn id="1" dur="indefinite" restart="never" nodeType="tmRoot">
+          <p:childTnLst>
+            <p:seq>
+              <p:cTn id="2" dur="indefinite" nodeType="mainSeq"/>
+              <p:prevCondLst>
+                <p:cond evt="onPrev" delay="0">
+                  <p:tgtEl>
+                    <p:sldTgt/>
+                  </p:tgtEl>
+                </p:cond>
+              </p:prevCondLst>
+              <p:nextCondLst>
+                <p:cond evt="onNext" delay="0">
+                  <p:tgtEl>
+                    <p:sldTgt/>
+                  </p:tgtEl>
+                </p:cond>
+              </p:nextCondLst>
+            </p:seq>
+          </p:childTnLst>
+        </p:cTn>
+      </p:par>
+    </p:tnLst>
+  </p:timing>
+</p:sld>
+</file>
+
+<file path=ppt/slides/slide21.xml><?xml version="1.0" encoding="utf-8"?>
+<p:sld xmlns:a="http://schemas.openxmlformats.org/drawingml/2006/main" xmlns:r="http://schemas.openxmlformats.org/officeDocument/2006/relationships" xmlns:p="http://schemas.openxmlformats.org/presentationml/2006/main">
+  <p:cSld>
+    <p:spTree>
+      <p:nvGrpSpPr>
+        <p:cNvPr id="1" name=""/>
+        <p:cNvGrpSpPr/>
+        <p:nvPr/>
+      </p:nvGrpSpPr>
+      <p:grpSpPr>
+        <a:xfrm>
+          <a:off x="0" y="0"/>
+          <a:ext cx="0" cy="0"/>
+          <a:chOff x="0" y="0"/>
+          <a:chExt cx="0" cy="0"/>
+        </a:xfrm>
+      </p:grpSpPr>
+      <p:sp>
+        <p:nvSpPr>
+          <p:cNvPr id="95" name="CustomShape 1"/>
+          <p:cNvSpPr/>
+          <p:nvPr/>
+        </p:nvSpPr>
+        <p:spPr>
+          <a:xfrm>
+            <a:off x="838080" y="365040"/>
+            <a:ext cx="10514520" cy="1324440"/>
+          </a:xfrm>
+          <a:prstGeom prst="rect">
+            <a:avLst/>
+          </a:prstGeom>
+          <a:noFill/>
+          <a:ln>
+            <a:noFill/>
+          </a:ln>
+        </p:spPr>
+        <p:style>
+          <a:lnRef idx="0">
+            <a:scrgbClr r="0" g="0" b="0"/>
+          </a:lnRef>
+          <a:fillRef idx="0">
+            <a:scrgbClr r="0" g="0" b="0"/>
+          </a:fillRef>
+          <a:effectRef idx="0">
+            <a:scrgbClr r="0" g="0" b="0"/>
+          </a:effectRef>
+          <a:fontRef idx="minor"/>
+        </p:style>
+        <p:txBody>
+          <a:bodyPr lIns="90000" tIns="45000" rIns="90000" bIns="45000" anchor="ctr"/>
+          <a:lstStyle/>
+          <a:p>
+            <a:pPr>
+              <a:lnSpc>
+                <a:spcPct val="90000"/>
+              </a:lnSpc>
+            </a:pPr>
+            <a:r>
+              <a:rPr lang="en-US" sz="4400" b="0" strike="noStrike" spc="-1">
+                <a:solidFill>
+                  <a:srgbClr val="000000"/>
+                </a:solidFill>
+                <a:latin typeface="Calibri Light"/>
+                <a:ea typeface="DejaVu Sans"/>
+              </a:rPr>
+              <a:t>Files used in this document can be found:</a:t>
+            </a:r>
             <a:endParaRPr lang="en-US" sz="4400" b="0" strike="noStrike" spc="-1">
+              <a:latin typeface="Arial"/>
+            </a:endParaRPr>
+          </a:p>
+        </p:txBody>
+      </p:sp>
+      <p:sp>
+        <p:nvSpPr>
+          <p:cNvPr id="96" name="CustomShape 2"/>
+          <p:cNvSpPr/>
+          <p:nvPr/>
+        </p:nvSpPr>
+        <p:spPr>
+          <a:xfrm>
+            <a:off x="838080" y="1825560"/>
+            <a:ext cx="10514520" cy="4350240"/>
+          </a:xfrm>
+          <a:prstGeom prst="rect">
+            <a:avLst/>
+          </a:prstGeom>
+          <a:noFill/>
+          <a:ln>
+            <a:noFill/>
+          </a:ln>
+        </p:spPr>
+        <p:style>
+          <a:lnRef idx="0">
+            <a:scrgbClr r="0" g="0" b="0"/>
+          </a:lnRef>
+          <a:fillRef idx="0">
+            <a:scrgbClr r="0" g="0" b="0"/>
+          </a:fillRef>
+          <a:effectRef idx="0">
+            <a:scrgbClr r="0" g="0" b="0"/>
+          </a:effectRef>
+          <a:fontRef idx="minor"/>
+        </p:style>
+        <p:txBody>
+          <a:bodyPr lIns="90000" tIns="45000" rIns="90000" bIns="45000" anchor="t">
+            <a:normAutofit/>
+          </a:bodyPr>
+          <a:lstStyle/>
+          <a:p>
+            <a:pPr marL="228600" indent="-227330">
+              <a:lnSpc>
+                <a:spcPct val="90000"/>
+              </a:lnSpc>
+              <a:spcBef>
+                <a:spcPts val="1001"/>
+              </a:spcBef>
+              <a:buClr>
+                <a:srgbClr val="000000"/>
+              </a:buClr>
+              <a:buFont typeface="Arial"/>
+              <a:buChar char="•"/>
+            </a:pPr>
+            <a:r>
+              <a:rPr lang="en-US" sz="2800" b="0" strike="noStrike" spc="-1" dirty="0">
+                <a:solidFill>
+                  <a:srgbClr val="000000"/>
+                </a:solidFill>
+                <a:latin typeface="Calibri"/>
+                <a:ea typeface="DejaVu Sans"/>
+              </a:rPr>
+              <a:t>Data files can be found: </a:t>
+            </a:r>
+            <a:r>
+              <a:rPr lang="en-US" sz="2800" b="0" u="sng" strike="noStrike" spc="-1" dirty="0">
+                <a:solidFill>
+                  <a:srgbClr val="0563C1"/>
+                </a:solidFill>
+                <a:uFillTx/>
+                <a:latin typeface="Calibri"/>
+                <a:ea typeface="Calibri"/>
+              </a:rPr>
+              <a:t>https://github.com/ivsg-psu/TrafficSimulators_GettingStartedWithDifferrentSimulators_GettingStartedWithSUMO/tree/main/Data/</a:t>
+            </a:r>
+            <a:endParaRPr lang="en-US" sz="2800" b="0" strike="noStrike" spc="-1" dirty="0">
+              <a:latin typeface="Arial"/>
+            </a:endParaRPr>
+          </a:p>
+          <a:p>
+            <a:pPr marL="228600" indent="-227330">
+              <a:lnSpc>
+                <a:spcPct val="90000"/>
+              </a:lnSpc>
+              <a:spcBef>
+                <a:spcPts val="1001"/>
+              </a:spcBef>
+              <a:buClr>
+                <a:srgbClr val="000000"/>
+              </a:buClr>
+              <a:buFont typeface="Arial"/>
+              <a:buChar char="•"/>
+            </a:pPr>
+            <a:r>
+              <a:rPr lang="en-US" sz="2800" b="0" strike="noStrike" spc="-1" dirty="0">
+                <a:solidFill>
+                  <a:srgbClr val="000000"/>
+                </a:solidFill>
+                <a:latin typeface="Calibri"/>
+                <a:ea typeface="Calibri"/>
+              </a:rPr>
+              <a:t>Script can be found: </a:t>
+            </a:r>
+            <a:r>
+              <a:rPr lang="en-US" sz="2800" b="0" u="sng" strike="noStrike" spc="-1" dirty="0">
+                <a:solidFill>
+                  <a:srgbClr val="0563C1"/>
+                </a:solidFill>
+                <a:uFillTx/>
+                <a:latin typeface="Calibri"/>
+                <a:ea typeface="Calibri"/>
+                <a:hlinkClick r:id="rId2"/>
+              </a:rPr>
+              <a:t>https://github.com/ivsg-psu/TrafficSimulators_GettingStartedWithDifferrentSimulators_GettingStartedWithSUMO/tree/main/Code</a:t>
+            </a:r>
+            <a:endParaRPr lang="en-US" sz="2800" b="0" strike="noStrike" spc="-1" dirty="0">
+              <a:latin typeface="Arial"/>
+            </a:endParaRPr>
+          </a:p>
+          <a:p>
+            <a:pPr marL="228600" indent="-227330">
+              <a:lnSpc>
+                <a:spcPct val="90000"/>
+              </a:lnSpc>
+              <a:spcBef>
+                <a:spcPts val="1001"/>
+              </a:spcBef>
+              <a:buClr>
+                <a:srgbClr val="000000"/>
+              </a:buClr>
+              <a:buFont typeface="Arial"/>
+              <a:buChar char="•"/>
+            </a:pPr>
+            <a:r>
+              <a:rPr lang="en-US" sz="2800" b="0" strike="noStrike" spc="-1" dirty="0">
+                <a:solidFill>
+                  <a:srgbClr val="000000"/>
+                </a:solidFill>
+                <a:latin typeface="Calibri"/>
+                <a:ea typeface="Calibri"/>
+              </a:rPr>
+              <a:t>For more information, please see:</a:t>
+            </a:r>
+            <a:endParaRPr lang="en-US" sz="2800" b="0" strike="noStrike" spc="-1" dirty="0">
+              <a:latin typeface="Arial"/>
+            </a:endParaRPr>
+          </a:p>
+          <a:p>
+            <a:pPr marL="685800" lvl="1" indent="-227330">
+              <a:lnSpc>
+                <a:spcPct val="90000"/>
+              </a:lnSpc>
+              <a:spcBef>
+                <a:spcPts val="499"/>
+              </a:spcBef>
+              <a:buClr>
+                <a:srgbClr val="000000"/>
+              </a:buClr>
+              <a:buFont typeface="Arial"/>
+              <a:buChar char="•"/>
+            </a:pPr>
+            <a:r>
+              <a:rPr lang="en-US" sz="2400" b="0" u="sng" strike="noStrike" spc="-1" dirty="0">
+                <a:solidFill>
+                  <a:srgbClr val="0563C1"/>
+                </a:solidFill>
+                <a:uFillTx/>
+                <a:latin typeface="Calibri"/>
+                <a:ea typeface="Calibri"/>
+                <a:hlinkClick r:id="rId3"/>
+              </a:rPr>
+              <a:t>https://sumo.dlr.de/docs/TraCI.html</a:t>
+            </a:r>
+            <a:endParaRPr lang="en-US" sz="2400" b="0" strike="noStrike" spc="-1" dirty="0">
+              <a:latin typeface="Arial"/>
+            </a:endParaRPr>
+          </a:p>
+          <a:p>
+            <a:pPr marL="685800" lvl="1" indent="-227330">
+              <a:lnSpc>
+                <a:spcPct val="90000"/>
+              </a:lnSpc>
+              <a:spcBef>
+                <a:spcPts val="499"/>
+              </a:spcBef>
+              <a:buClr>
+                <a:srgbClr val="000000"/>
+              </a:buClr>
+              <a:buFont typeface="Arial"/>
+              <a:buChar char="•"/>
+            </a:pPr>
+            <a:r>
+              <a:rPr lang="en-US" sz="2400" b="0" strike="noStrike" spc="-1" dirty="0">
+                <a:solidFill>
+                  <a:srgbClr val="000000"/>
+                </a:solidFill>
+                <a:latin typeface="Calibri"/>
+                <a:ea typeface="Calibri"/>
+              </a:rPr>
+              <a:t>https://sumo.dlr.de/docs/TraCI/Change_Vehicle_State.html</a:t>
+            </a:r>
+            <a:endParaRPr lang="en-US" sz="2400" b="0" strike="noStrike" spc="-1" dirty="0">
               <a:latin typeface="Arial"/>
             </a:endParaRPr>
           </a:p>
@@ -4269,7 +7618,7 @@
         </p:nvSpPr>
         <p:spPr>
           <a:xfrm>
-            <a:off x="365760" y="182880"/>
+            <a:off x="234380" y="-1050"/>
             <a:ext cx="10514520" cy="1324440"/>
           </a:xfrm>
           <a:prstGeom prst="rect">
@@ -4302,17 +7651,24 @@
               </a:lnSpc>
             </a:pPr>
             <a:r>
-              <a:rPr lang="en-US" sz="4400" b="0" strike="noStrike" spc="-1">
+              <a:rPr lang="en-US" sz="3000" spc="-1" dirty="0">
                 <a:solidFill>
                   <a:srgbClr val="000000"/>
                 </a:solidFill>
-                <a:latin typeface="Calibri Light"/>
-                <a:ea typeface="Noto Sans CJK SC"/>
-              </a:rPr>
-              <a:t>A test was performed with the goal to command an AV based on a trajectory in SUMO</a:t>
-            </a:r>
-            <a:endParaRPr lang="en-US" sz="4400" b="0" strike="noStrike" spc="-1">
-              <a:latin typeface="Arial"/>
+                <a:latin typeface="Calibri"/>
+              </a:rPr>
+              <a:t>Example 1: </a:t>
+            </a:r>
+            <a:r>
+              <a:rPr lang="en-US" sz="3000" spc="-1" dirty="0">
+                <a:latin typeface="Calibri"/>
+                <a:ea typeface="+mn-lt"/>
+                <a:cs typeface="+mn-lt"/>
+              </a:rPr>
+              <a:t>commanded a straight line trajectory to an AV. Test description is below.</a:t>
+            </a:r>
+            <a:endParaRPr lang="en-US" sz="3000" b="0" strike="noStrike" spc="-1">
+              <a:latin typeface="Calibri"/>
             </a:endParaRPr>
           </a:p>
         </p:txBody>
@@ -4325,7 +7681,7 @@
         </p:nvSpPr>
         <p:spPr>
           <a:xfrm>
-            <a:off x="838080" y="1825560"/>
+            <a:off x="752684" y="1135819"/>
             <a:ext cx="10514520" cy="4350240"/>
           </a:xfrm>
           <a:prstGeom prst="rect">
@@ -4349,12 +7705,12 @@
           <a:fontRef idx="minor"/>
         </p:style>
         <p:txBody>
-          <a:bodyPr lIns="90000" tIns="45000" rIns="90000" bIns="45000">
-            <a:normAutofit/>
+          <a:bodyPr lIns="90000" tIns="45000" rIns="90000" bIns="45000" anchor="t">
+            <a:noAutofit/>
           </a:bodyPr>
           <a:lstStyle/>
           <a:p>
-            <a:pPr marL="228600" indent="-227520">
+            <a:pPr marL="228600" indent="-227330">
               <a:lnSpc>
                 <a:spcPct val="90000"/>
               </a:lnSpc>
@@ -4368,7 +7724,7 @@
               <a:buChar char="•"/>
             </a:pPr>
             <a:r>
-              <a:rPr lang="en-US" sz="2800" b="0" strike="noStrike" spc="-1">
+              <a:rPr lang="en-US" sz="2000" b="0" strike="noStrike" spc="-1" dirty="0">
                 <a:solidFill>
                   <a:srgbClr val="000000"/>
                 </a:solidFill>
@@ -4377,12 +7733,12 @@
               </a:rPr>
               <a:t>Input:</a:t>
             </a:r>
-            <a:endParaRPr lang="en-US" sz="2800" b="0" strike="noStrike" spc="-1">
-              <a:latin typeface="Arial"/>
-            </a:endParaRPr>
-          </a:p>
-          <a:p>
-            <a:pPr marL="685800" lvl="1" indent="-227520">
+            <a:endParaRPr lang="en-US" sz="2000" b="0" strike="noStrike" spc="-1">
+              <a:latin typeface="Calibri"/>
+            </a:endParaRPr>
+          </a:p>
+          <a:p>
+            <a:pPr marL="685800" lvl="1" indent="-227330">
               <a:lnSpc>
                 <a:spcPct val="90000"/>
               </a:lnSpc>
@@ -4396,7 +7752,7 @@
               <a:buChar char="•"/>
             </a:pPr>
             <a:r>
-              <a:rPr lang="en-US" sz="2400" b="0" strike="noStrike" spc="-1">
+              <a:rPr lang="en-US" sz="2000" b="0" strike="noStrike" spc="-1" dirty="0">
                 <a:solidFill>
                   <a:srgbClr val="000000"/>
                 </a:solidFill>
@@ -4405,12 +7761,12 @@
               </a:rPr>
               <a:t>Commanded trajectory containing x and y in meters</a:t>
             </a:r>
-            <a:endParaRPr lang="en-US" sz="2400" b="0" strike="noStrike" spc="-1">
-              <a:latin typeface="Arial"/>
-            </a:endParaRPr>
-          </a:p>
-          <a:p>
-            <a:pPr marL="685800" lvl="1" indent="-227520">
+            <a:endParaRPr lang="en-US" sz="2000" b="0" strike="noStrike" spc="-1">
+              <a:latin typeface="Calibri"/>
+            </a:endParaRPr>
+          </a:p>
+          <a:p>
+            <a:pPr marL="685800" lvl="1" indent="-227330">
               <a:lnSpc>
                 <a:spcPct val="90000"/>
               </a:lnSpc>
@@ -4424,21 +7780,49 @@
               <a:buChar char="•"/>
             </a:pPr>
             <a:r>
-              <a:rPr lang="en-US" sz="2400" b="0" strike="noStrike" spc="-1">
+              <a:rPr lang="en-US" sz="2000" b="0" strike="noStrike" spc="-1" dirty="0">
                 <a:solidFill>
                   <a:srgbClr val="000000"/>
                 </a:solidFill>
                 <a:latin typeface="Calibri"/>
                 <a:ea typeface="DejaVu Sans"/>
               </a:rPr>
-              <a:t>Source data file: commandTrajectoryInput.csv </a:t>
-            </a:r>
-            <a:endParaRPr lang="en-US" sz="2400" b="0" strike="noStrike" spc="-1">
-              <a:latin typeface="Arial"/>
-            </a:endParaRPr>
-          </a:p>
-          <a:p>
-            <a:pPr marL="228600" indent="-227520">
+              <a:t>Source data file: </a:t>
+            </a:r>
+            <a:r>
+              <a:rPr lang="en-US" sz="2000" spc="-1" dirty="0">
+                <a:latin typeface="Calibri"/>
+                <a:ea typeface="+mn-lt"/>
+                <a:cs typeface="+mn-lt"/>
+              </a:rPr>
+              <a:t>straightlineTrajectory_Input</a:t>
+            </a:r>
+            <a:r>
+              <a:rPr lang="en-US" sz="2000" b="0" strike="noStrike" spc="-1" dirty="0">
+                <a:solidFill>
+                  <a:srgbClr val="000000"/>
+                </a:solidFill>
+                <a:latin typeface="Calibri"/>
+                <a:ea typeface="DejaVu Sans"/>
+              </a:rPr>
+              <a:t>.csv</a:t>
+            </a:r>
+            <a:r>
+              <a:rPr lang="en-US" sz="2000" spc="-1" dirty="0">
+                <a:solidFill>
+                  <a:srgbClr val="000000"/>
+                </a:solidFill>
+                <a:latin typeface="Calibri"/>
+                <a:ea typeface="DejaVu Sans"/>
+              </a:rPr>
+              <a:t> </a:t>
+            </a:r>
+            <a:endParaRPr lang="en-US" sz="2000" b="0" strike="noStrike" spc="-1">
+              <a:latin typeface="Calibri"/>
+            </a:endParaRPr>
+          </a:p>
+          <a:p>
+            <a:pPr marL="228600" indent="-227330">
               <a:lnSpc>
                 <a:spcPct val="90000"/>
               </a:lnSpc>
@@ -4452,7 +7836,7 @@
               <a:buChar char="•"/>
             </a:pPr>
             <a:r>
-              <a:rPr lang="en-US" sz="2800" b="0" strike="noStrike" spc="-1">
+              <a:rPr lang="en-US" sz="2000" b="0" strike="noStrike" spc="-1" dirty="0">
                 <a:solidFill>
                   <a:srgbClr val="000000"/>
                 </a:solidFill>
@@ -4461,12 +7845,12 @@
               </a:rPr>
               <a:t>Output:</a:t>
             </a:r>
-            <a:endParaRPr lang="en-US" sz="2800" b="0" strike="noStrike" spc="-1">
-              <a:latin typeface="Arial"/>
-            </a:endParaRPr>
-          </a:p>
-          <a:p>
-            <a:pPr marL="685800" lvl="1" indent="-227520">
+            <a:endParaRPr lang="en-US" sz="2000" b="0" strike="noStrike" spc="-1">
+              <a:latin typeface="Calibri"/>
+            </a:endParaRPr>
+          </a:p>
+          <a:p>
+            <a:pPr marL="685800" lvl="1" indent="-227330">
               <a:lnSpc>
                 <a:spcPct val="90000"/>
               </a:lnSpc>
@@ -4480,7 +7864,7 @@
               <a:buChar char="•"/>
             </a:pPr>
             <a:r>
-              <a:rPr lang="en-US" sz="2400" b="0" strike="noStrike" spc="-1">
+              <a:rPr lang="en-US" sz="2000" b="0" strike="noStrike" spc="-1" dirty="0">
                 <a:solidFill>
                   <a:srgbClr val="000000"/>
                 </a:solidFill>
@@ -4489,12 +7873,12 @@
               </a:rPr>
               <a:t>Actual trajectory containing x and y in meters.</a:t>
             </a:r>
-            <a:endParaRPr lang="en-US" sz="2400" b="0" strike="noStrike" spc="-1">
-              <a:latin typeface="Arial"/>
-            </a:endParaRPr>
-          </a:p>
-          <a:p>
-            <a:pPr marL="685800" lvl="1" indent="-227520">
+            <a:endParaRPr lang="en-US" sz="2000" b="0" strike="noStrike" spc="-1">
+              <a:latin typeface="Calibri"/>
+            </a:endParaRPr>
+          </a:p>
+          <a:p>
+            <a:pPr marL="685800" lvl="1" indent="-227330">
               <a:lnSpc>
                 <a:spcPct val="90000"/>
               </a:lnSpc>
@@ -4508,21 +7892,39 @@
               <a:buChar char="•"/>
             </a:pPr>
             <a:r>
-              <a:rPr lang="en-US" sz="2400" b="0" strike="noStrike" spc="-1">
+              <a:rPr lang="en-US" sz="2000" b="0" strike="noStrike" spc="-1" dirty="0">
                 <a:solidFill>
                   <a:srgbClr val="000000"/>
                 </a:solidFill>
                 <a:latin typeface="Calibri"/>
                 <a:ea typeface="DejaVu Sans"/>
               </a:rPr>
-              <a:t>Source data file: commandTrajectoryOutput.csv</a:t>
-            </a:r>
-            <a:endParaRPr lang="en-US" sz="2400" b="0" strike="noStrike" spc="-1">
-              <a:latin typeface="Arial"/>
-            </a:endParaRPr>
-          </a:p>
-          <a:p>
-            <a:pPr marL="228600" indent="-227520">
+              <a:t>Source data file: </a:t>
+            </a:r>
+            <a:r>
+              <a:rPr lang="en-US" sz="2000" spc="-1" dirty="0">
+                <a:latin typeface="Calibri"/>
+                <a:ea typeface="+mn-lt"/>
+                <a:cs typeface="+mn-lt"/>
+              </a:rPr>
+              <a:t>straightlineTrajectory_Output</a:t>
+            </a:r>
+            <a:r>
+              <a:rPr lang="en-US" sz="2000" b="0" strike="noStrike" spc="-1" dirty="0">
+                <a:solidFill>
+                  <a:srgbClr val="000000"/>
+                </a:solidFill>
+                <a:latin typeface="Calibri"/>
+                <a:ea typeface="DejaVu Sans"/>
+              </a:rPr>
+              <a:t>.csv</a:t>
+            </a:r>
+            <a:endParaRPr lang="en-US" sz="2000" b="0" strike="noStrike" spc="-1">
+              <a:latin typeface="Calibri"/>
+            </a:endParaRPr>
+          </a:p>
+          <a:p>
+            <a:pPr marL="228600" indent="-227330">
               <a:lnSpc>
                 <a:spcPct val="90000"/>
               </a:lnSpc>
@@ -4536,7 +7938,7 @@
               <a:buChar char="•"/>
             </a:pPr>
             <a:r>
-              <a:rPr lang="en-US" sz="2800" b="0" strike="noStrike" spc="-1">
+              <a:rPr lang="en-US" sz="2000" b="0" strike="noStrike" spc="-1" dirty="0">
                 <a:solidFill>
                   <a:srgbClr val="000000"/>
                 </a:solidFill>
@@ -4545,12 +7947,12 @@
               </a:rPr>
               <a:t>Script used:</a:t>
             </a:r>
-            <a:endParaRPr lang="en-US" sz="2800" b="0" strike="noStrike" spc="-1">
-              <a:latin typeface="Arial"/>
-            </a:endParaRPr>
-          </a:p>
-          <a:p>
-            <a:pPr marL="685800" lvl="1" indent="-227520">
+            <a:endParaRPr lang="en-US" sz="2000" b="0" strike="noStrike" spc="-1">
+              <a:latin typeface="Calibri"/>
+            </a:endParaRPr>
+          </a:p>
+          <a:p>
+            <a:pPr marL="685800" lvl="1" indent="-227330">
               <a:lnSpc>
                 <a:spcPct val="100000"/>
               </a:lnSpc>
@@ -4564,7 +7966,7 @@
               <a:buChar char="•"/>
             </a:pPr>
             <a:r>
-              <a:rPr lang="en-US" sz="2400" b="0" strike="noStrike" spc="-1">
+              <a:rPr lang="en-US" sz="2000" b="0" strike="noStrike" spc="-1" dirty="0">
                 <a:solidFill>
                   <a:srgbClr val="000000"/>
                 </a:solidFill>
@@ -4573,12 +7975,12 @@
               </a:rPr>
               <a:t>script_testFcn_fcn_CommandVehTrajectory.py</a:t>
             </a:r>
-            <a:endParaRPr lang="en-US" sz="2400" b="0" strike="noStrike" spc="-1">
-              <a:latin typeface="Arial"/>
-            </a:endParaRPr>
-          </a:p>
-          <a:p>
-            <a:pPr marL="685800" lvl="1" indent="-227520">
+            <a:endParaRPr lang="en-US" sz="2000" b="0" strike="noStrike" spc="-1">
+              <a:latin typeface="Calibri"/>
+            </a:endParaRPr>
+          </a:p>
+          <a:p>
+            <a:pPr marL="685800" lvl="1" indent="-227330">
               <a:lnSpc>
                 <a:spcPct val="100000"/>
               </a:lnSpc>
@@ -4592,7 +7994,7 @@
               <a:buChar char="•"/>
             </a:pPr>
             <a:r>
-              <a:rPr lang="en-US" sz="2400" b="0" strike="noStrike" spc="-1">
+              <a:rPr lang="en-US" sz="2000" b="0" strike="noStrike" spc="-1" dirty="0">
                 <a:solidFill>
                   <a:srgbClr val="000000"/>
                 </a:solidFill>
@@ -4601,12 +8003,12 @@
               </a:rPr>
               <a:t>fcn_CommandVehTrajectory.py</a:t>
             </a:r>
-            <a:endParaRPr lang="en-US" sz="2400" b="0" strike="noStrike" spc="-1">
-              <a:latin typeface="Arial"/>
-            </a:endParaRPr>
-          </a:p>
-          <a:p>
-            <a:pPr marL="228600" indent="-227520">
+            <a:endParaRPr lang="en-US" sz="2000" b="0" strike="noStrike" spc="-1">
+              <a:latin typeface="Calibri"/>
+            </a:endParaRPr>
+          </a:p>
+          <a:p>
+            <a:pPr marL="228600" indent="-227330">
               <a:lnSpc>
                 <a:spcPct val="90000"/>
               </a:lnSpc>
@@ -4620,7 +8022,7 @@
               <a:buChar char="•"/>
             </a:pPr>
             <a:r>
-              <a:rPr lang="en-US" sz="2800" b="0" strike="noStrike" spc="-1">
+              <a:rPr lang="en-US" sz="2000" b="0" strike="noStrike" spc="-1" dirty="0">
                 <a:solidFill>
                   <a:srgbClr val="000000"/>
                 </a:solidFill>
@@ -4629,12 +8031,12 @@
               </a:rPr>
               <a:t>Other data files used:</a:t>
             </a:r>
-            <a:endParaRPr lang="en-US" sz="2800" b="0" strike="noStrike" spc="-1">
-              <a:latin typeface="Arial"/>
-            </a:endParaRPr>
-          </a:p>
-          <a:p>
-            <a:pPr marL="685800" lvl="1" indent="-227520">
+            <a:endParaRPr lang="en-US" sz="2000" b="0" strike="noStrike" spc="-1">
+              <a:latin typeface="Calibri"/>
+            </a:endParaRPr>
+          </a:p>
+          <a:p>
+            <a:pPr marL="685800" lvl="1" indent="-227330">
               <a:lnSpc>
                 <a:spcPct val="90000"/>
               </a:lnSpc>
@@ -4648,21 +8050,39 @@
               <a:buChar char="•"/>
             </a:pPr>
             <a:r>
-              <a:rPr lang="en-US" sz="2400" b="0" strike="noStrike" spc="-1">
+              <a:rPr lang="en-US" sz="2000" spc="-1" dirty="0" err="1">
+                <a:latin typeface="Calibri"/>
+                <a:ea typeface="+mn-lt"/>
+                <a:cs typeface="+mn-lt"/>
+              </a:rPr>
+              <a:t>straightlineTrajectory</a:t>
+            </a:r>
+            <a:r>
+              <a:rPr lang="en-US" sz="2000" b="0" strike="noStrike" spc="-1" dirty="0" err="1">
                 <a:solidFill>
                   <a:srgbClr val="000000"/>
                 </a:solidFill>
                 <a:latin typeface="Calibri"/>
                 <a:ea typeface="Calibri"/>
               </a:rPr>
-              <a:t>hello.sumocfg - this runs the simulation</a:t>
-            </a:r>
-            <a:endParaRPr lang="en-US" sz="2400" b="0" strike="noStrike" spc="-1">
-              <a:latin typeface="Arial"/>
-            </a:endParaRPr>
-          </a:p>
-          <a:p>
-            <a:pPr marL="685800" lvl="1" indent="-227520">
+              <a:t>.sumocfg</a:t>
+            </a:r>
+            <a:r>
+              <a:rPr lang="en-US" sz="2000" b="0" strike="noStrike" spc="-1" dirty="0">
+                <a:solidFill>
+                  <a:srgbClr val="000000"/>
+                </a:solidFill>
+                <a:latin typeface="Calibri"/>
+                <a:ea typeface="Calibri"/>
+              </a:rPr>
+              <a:t> - this runs the simulation</a:t>
+            </a:r>
+            <a:endParaRPr lang="en-US" sz="2000" b="0" strike="noStrike" spc="-1">
+              <a:latin typeface="Calibri"/>
+            </a:endParaRPr>
+          </a:p>
+          <a:p>
+            <a:pPr marL="685800" lvl="1" indent="-227330">
               <a:lnSpc>
                 <a:spcPct val="90000"/>
               </a:lnSpc>
@@ -4676,21 +8096,29 @@
               <a:buChar char="•"/>
             </a:pPr>
             <a:r>
-              <a:rPr lang="en-US" sz="2400" b="0" strike="noStrike" spc="-1">
+              <a:rPr lang="en-US" sz="2000" spc="-1" dirty="0">
+                <a:latin typeface="Calibri"/>
+                <a:ea typeface="+mn-lt"/>
+                <a:cs typeface="+mn-lt"/>
+              </a:rPr>
+              <a:t>straightlineTrajectory</a:t>
+            </a:r>
+            <a:r>
+              <a:rPr lang="en-US" sz="2000" b="0" strike="noStrike" spc="-1" dirty="0">
                 <a:solidFill>
                   <a:srgbClr val="000000"/>
                 </a:solidFill>
                 <a:latin typeface="Calibri"/>
                 <a:ea typeface="Calibri"/>
               </a:rPr>
-              <a:t>hello.net.xml -  this describes SUMO road network </a:t>
-            </a:r>
-            <a:endParaRPr lang="en-US" sz="2400" b="0" strike="noStrike" spc="-1">
-              <a:latin typeface="Arial"/>
-            </a:endParaRPr>
-          </a:p>
-          <a:p>
-            <a:pPr marL="685800" lvl="1" indent="-227520">
+              <a:t>.net.xml -  this describes SUMO road network </a:t>
+            </a:r>
+            <a:endParaRPr lang="en-US" sz="2000" b="0" strike="noStrike" spc="-1">
+              <a:latin typeface="Calibri"/>
+            </a:endParaRPr>
+          </a:p>
+          <a:p>
+            <a:pPr marL="685800" lvl="1" indent="-227330">
               <a:lnSpc>
                 <a:spcPct val="90000"/>
               </a:lnSpc>
@@ -4704,21 +8132,29 @@
               <a:buChar char="•"/>
             </a:pPr>
             <a:r>
-              <a:rPr lang="en-US" sz="2400" b="0" strike="noStrike" spc="-1">
+              <a:rPr lang="en-US" sz="2000" spc="-1" dirty="0">
+                <a:latin typeface="Calibri"/>
+                <a:ea typeface="+mn-lt"/>
+                <a:cs typeface="+mn-lt"/>
+              </a:rPr>
+              <a:t>straightlineTrajectory</a:t>
+            </a:r>
+            <a:r>
+              <a:rPr lang="en-US" sz="2000" b="0" strike="noStrike" spc="-1" dirty="0">
                 <a:solidFill>
                   <a:srgbClr val="000000"/>
                 </a:solidFill>
                 <a:latin typeface="Calibri"/>
                 <a:ea typeface="Calibri"/>
               </a:rPr>
-              <a:t>hello.rou.xml - this describes simulation route </a:t>
-            </a:r>
-            <a:endParaRPr lang="en-US" sz="2400" b="0" strike="noStrike" spc="-1">
-              <a:latin typeface="Arial"/>
-            </a:endParaRPr>
-          </a:p>
-          <a:p>
-            <a:pPr marL="685800" lvl="1" indent="-227520">
+              <a:t>.rou.xml - this describes simulation route </a:t>
+            </a:r>
+            <a:endParaRPr lang="en-US" sz="2000" b="0" strike="noStrike" spc="-1">
+              <a:latin typeface="Calibri"/>
+            </a:endParaRPr>
+          </a:p>
+          <a:p>
+            <a:pPr marL="685800" lvl="1" indent="-227330">
               <a:lnSpc>
                 <a:spcPct val="90000"/>
               </a:lnSpc>
@@ -4731,18 +8167,9 @@
               <a:buFont typeface="Arial"/>
               <a:buChar char="•"/>
             </a:pPr>
-            <a:r>
-              <a:rPr lang="en-US" sz="2400" b="0" strike="noStrike" spc="-1">
-                <a:solidFill>
-                  <a:srgbClr val="000000"/>
-                </a:solidFill>
-                <a:latin typeface="Calibri"/>
-                <a:ea typeface="Calibri"/>
-              </a:rPr>
-              <a:t>hello.settings.xml - this describes simulation settings such as simulation delay </a:t>
-            </a:r>
-            <a:endParaRPr lang="en-US" sz="2400" b="0" strike="noStrike" spc="-1">
-              <a:latin typeface="Arial"/>
+            <a:endParaRPr lang="en-US" sz="2000" b="0" strike="noStrike" spc="-1" dirty="0">
+              <a:latin typeface="Calibri"/>
+              <a:ea typeface="Calibri"/>
             </a:endParaRPr>
           </a:p>
           <a:p>
@@ -4751,8 +8178,8 @@
                 <a:spcPct val="100000"/>
               </a:lnSpc>
             </a:pPr>
-            <a:endParaRPr lang="en-US" sz="2400" b="0" strike="noStrike" spc="-1">
-              <a:latin typeface="Arial"/>
+            <a:endParaRPr lang="en-US" sz="2000" b="0" strike="noStrike" spc="-1" dirty="0">
+              <a:latin typeface="Calibri"/>
             </a:endParaRPr>
           </a:p>
         </p:txBody>
@@ -4817,7 +8244,7 @@
         </p:nvSpPr>
         <p:spPr>
           <a:xfrm>
-            <a:off x="250920" y="900360"/>
+            <a:off x="113034" y="312531"/>
             <a:ext cx="10514520" cy="1324440"/>
           </a:xfrm>
           <a:prstGeom prst="rect">
@@ -4869,26 +8296,31 @@
       </p:sp>
       <p:pic>
         <p:nvPicPr>
-          <p:cNvPr id="82" name="Picture 4"/>
-          <p:cNvPicPr/>
+          <p:cNvPr id="3" name="Picture 3" descr="Text&#10;&#10;Description automatically generated">
+            <a:extLst>
+              <a:ext uri="{FF2B5EF4-FFF2-40B4-BE49-F238E27FC236}">
+                <a16:creationId xmlns:a16="http://schemas.microsoft.com/office/drawing/2014/main" id="{8CF6ED7D-5D3C-EC6B-F422-E9566AAD0FDF}"/>
+              </a:ext>
+            </a:extLst>
+          </p:cNvPr>
+          <p:cNvPicPr>
+            <a:picLocks noChangeAspect="1"/>
+          </p:cNvPicPr>
           <p:nvPr/>
         </p:nvPicPr>
-        <p:blipFill>
+        <p:blipFill rotWithShape="1">
           <a:blip r:embed="rId2"/>
-          <a:srcRect r="18234" b="80692"/>
+          <a:srcRect r="93" b="77716"/>
           <a:stretch/>
         </p:blipFill>
         <p:spPr>
           <a:xfrm>
-            <a:off x="1152000" y="3188160"/>
-            <a:ext cx="10258200" cy="1608120"/>
-          </a:xfrm>
-          <a:prstGeom prst="rect">
-            <a:avLst/>
-          </a:prstGeom>
-          <a:ln>
-            <a:noFill/>
-          </a:ln>
+            <a:off x="1433414" y="2387389"/>
+            <a:ext cx="9739372" cy="1446549"/>
+          </a:xfrm>
+          <a:prstGeom prst="rect">
+            <a:avLst/>
+          </a:prstGeom>
         </p:spPr>
       </p:pic>
     </p:spTree>
@@ -5013,25 +8445,32 @@
       </p:sp>
       <p:pic>
         <p:nvPicPr>
-          <p:cNvPr id="84" name="Picture 83"/>
-          <p:cNvPicPr/>
+          <p:cNvPr id="3" name="Picture 3" descr="Graphical user interface, text, application, email&#10;&#10;Description automatically generated">
+            <a:extLst>
+              <a:ext uri="{FF2B5EF4-FFF2-40B4-BE49-F238E27FC236}">
+                <a16:creationId xmlns:a16="http://schemas.microsoft.com/office/drawing/2014/main" id="{481B0232-08A5-9CCB-F855-557672DC5A14}"/>
+              </a:ext>
+            </a:extLst>
+          </p:cNvPr>
+          <p:cNvPicPr>
+            <a:picLocks noChangeAspect="1"/>
+          </p:cNvPicPr>
           <p:nvPr/>
         </p:nvPicPr>
         <p:blipFill>
           <a:blip r:embed="rId2"/>
-          <a:stretch/>
+          <a:stretch>
+            <a:fillRect/>
+          </a:stretch>
         </p:blipFill>
         <p:spPr>
           <a:xfrm>
-            <a:off x="457200" y="1554480"/>
-            <a:ext cx="10698120" cy="4964400"/>
-          </a:xfrm>
-          <a:prstGeom prst="rect">
-            <a:avLst/>
-          </a:prstGeom>
-          <a:ln>
-            <a:noFill/>
-          </a:ln>
+            <a:off x="442685" y="1560380"/>
+            <a:ext cx="11379200" cy="5087070"/>
+          </a:xfrm>
+          <a:prstGeom prst="rect">
+            <a:avLst/>
+          </a:prstGeom>
         </p:spPr>
       </p:pic>
     </p:spTree>
@@ -5154,27 +8593,176 @@
           </a:p>
         </p:txBody>
       </p:sp>
+      <p:sp>
+        <p:nvSpPr>
+          <p:cNvPr id="2" name="TextBox 1">
+            <a:extLst>
+              <a:ext uri="{FF2B5EF4-FFF2-40B4-BE49-F238E27FC236}">
+                <a16:creationId xmlns:a16="http://schemas.microsoft.com/office/drawing/2014/main" id="{1E580661-AF14-55FE-A5A9-4F5CA40CE03A}"/>
+              </a:ext>
+            </a:extLst>
+          </p:cNvPr>
+          <p:cNvSpPr txBox="1"/>
+          <p:nvPr/>
+        </p:nvSpPr>
+        <p:spPr>
+          <a:xfrm>
+            <a:off x="1234453" y="3996225"/>
+            <a:ext cx="8202258" cy="1477328"/>
+          </a:xfrm>
+          <a:prstGeom prst="rect">
+            <a:avLst/>
+          </a:prstGeom>
+          <a:noFill/>
+        </p:spPr>
+        <p:txBody>
+          <a:bodyPr rot="0" spcFirstLastPara="0" vertOverflow="overflow" horzOverflow="overflow" vert="horz" wrap="square" lIns="91440" tIns="45720" rIns="91440" bIns="45720" numCol="1" spcCol="0" rtlCol="0" fromWordArt="0" anchor="t" anchorCtr="0" forceAA="0" compatLnSpc="1">
+            <a:prstTxWarp prst="textNoShape">
+              <a:avLst/>
+            </a:prstTxWarp>
+            <a:spAutoFit/>
+          </a:bodyPr>
+          <a:lstStyle/>
+          <a:p>
+            <a:r>
+              <a:rPr lang="en-US" dirty="0"/>
+              <a:t>Note that in this example, the inputs given to the script are:</a:t>
+            </a:r>
+          </a:p>
+          <a:p>
+            <a:pPr marL="285750" indent="-285750">
+              <a:buFont typeface="Arial"/>
+              <a:buChar char="•"/>
+            </a:pPr>
+            <a:r>
+              <a:rPr lang="en-US" dirty="0" err="1"/>
+              <a:t>InputFilePath</a:t>
+            </a:r>
+            <a:r>
+              <a:rPr lang="en-US" dirty="0"/>
+              <a:t> = "./</a:t>
+            </a:r>
+            <a:r>
+              <a:rPr lang="en-US" dirty="0">
+                <a:ea typeface="+mn-lt"/>
+                <a:cs typeface="+mn-lt"/>
+              </a:rPr>
+              <a:t>straightlineTrajectory_Input</a:t>
+            </a:r>
+            <a:r>
+              <a:rPr lang="en-US" dirty="0">
+                <a:cs typeface="Arial"/>
+              </a:rPr>
+              <a:t>.csv</a:t>
+            </a:r>
+            <a:r>
+              <a:rPr lang="en-US" dirty="0"/>
+              <a:t>" </a:t>
+            </a:r>
+          </a:p>
+          <a:p>
+            <a:pPr marL="285750" indent="-285750">
+              <a:buFont typeface="Arial"/>
+              <a:buChar char="•"/>
+            </a:pPr>
+            <a:r>
+              <a:rPr lang="en-US" dirty="0" err="1">
+                <a:ea typeface="+mn-lt"/>
+                <a:cs typeface="+mn-lt"/>
+              </a:rPr>
+              <a:t>OutputFilePath</a:t>
+            </a:r>
+            <a:r>
+              <a:rPr lang="en-US" dirty="0">
+                <a:ea typeface="+mn-lt"/>
+                <a:cs typeface="+mn-lt"/>
+              </a:rPr>
+              <a:t> = "./straightlineTrajectory_Output.csv"</a:t>
+            </a:r>
+          </a:p>
+          <a:p>
+            <a:pPr marL="285750" indent="-285750">
+              <a:buFont typeface="Arial"/>
+              <a:buChar char="•"/>
+            </a:pPr>
+            <a:r>
+              <a:rPr lang="en-US" err="1">
+                <a:ea typeface="+mn-lt"/>
+                <a:cs typeface="+mn-lt"/>
+              </a:rPr>
+              <a:t>SimConfigFilePath</a:t>
+            </a:r>
+            <a:r>
+              <a:rPr lang="en-US" dirty="0">
+                <a:ea typeface="+mn-lt"/>
+                <a:cs typeface="+mn-lt"/>
+              </a:rPr>
+              <a:t> = "./</a:t>
+            </a:r>
+            <a:r>
+              <a:rPr lang="en-US" err="1">
+                <a:ea typeface="+mn-lt"/>
+                <a:cs typeface="+mn-lt"/>
+              </a:rPr>
+              <a:t>straightlineTrajectory.sumocfg</a:t>
+            </a:r>
+            <a:r>
+              <a:rPr lang="en-US" dirty="0">
+                <a:ea typeface="+mn-lt"/>
+                <a:cs typeface="+mn-lt"/>
+              </a:rPr>
+              <a:t>"</a:t>
+            </a:r>
+          </a:p>
+          <a:p>
+            <a:pPr marL="285750" indent="-285750">
+              <a:buFont typeface="Arial"/>
+              <a:buChar char="•"/>
+            </a:pPr>
+            <a:r>
+              <a:rPr lang="en-US" err="1">
+                <a:ea typeface="+mn-lt"/>
+                <a:cs typeface="+mn-lt"/>
+              </a:rPr>
+              <a:t>Veh_id</a:t>
+            </a:r>
+            <a:r>
+              <a:rPr lang="en-US" dirty="0">
+                <a:ea typeface="+mn-lt"/>
+                <a:cs typeface="+mn-lt"/>
+              </a:rPr>
+              <a:t> = "veh0"</a:t>
+            </a:r>
+          </a:p>
+        </p:txBody>
+      </p:sp>
       <p:pic>
         <p:nvPicPr>
-          <p:cNvPr id="86" name="Picture 85"/>
-          <p:cNvPicPr/>
+          <p:cNvPr id="3" name="Picture 3" descr="Text&#10;&#10;Description automatically generated">
+            <a:extLst>
+              <a:ext uri="{FF2B5EF4-FFF2-40B4-BE49-F238E27FC236}">
+                <a16:creationId xmlns:a16="http://schemas.microsoft.com/office/drawing/2014/main" id="{6D9A355A-96FF-015B-3E0F-E497CDC3FF88}"/>
+              </a:ext>
+            </a:extLst>
+          </p:cNvPr>
+          <p:cNvPicPr>
+            <a:picLocks noChangeAspect="1"/>
+          </p:cNvPicPr>
           <p:nvPr/>
         </p:nvPicPr>
-        <p:blipFill>
+        <p:blipFill rotWithShape="1">
           <a:blip r:embed="rId2"/>
+          <a:srcRect r="138" b="77131"/>
           <a:stretch/>
         </p:blipFill>
         <p:spPr>
           <a:xfrm>
-            <a:off x="2286000" y="1645920"/>
-            <a:ext cx="6852600" cy="4555800"/>
-          </a:xfrm>
-          <a:prstGeom prst="rect">
-            <a:avLst/>
-          </a:prstGeom>
-          <a:ln>
-            <a:noFill/>
-          </a:ln>
+            <a:off x="1037095" y="1897160"/>
+            <a:ext cx="8923151" cy="1361718"/>
+          </a:xfrm>
+          <a:prstGeom prst="rect">
+            <a:avLst/>
+          </a:prstGeom>
         </p:spPr>
       </p:pic>
     </p:spTree>
@@ -5229,23 +8817,72 @@
           <a:chExt cx="0" cy="0"/>
         </a:xfrm>
       </p:grpSpPr>
-      <p:sp>
-        <p:nvSpPr>
-          <p:cNvPr id="87" name="CustomShape 1"/>
+      <p:pic>
+        <p:nvPicPr>
+          <p:cNvPr id="88" name="Picture 87"/>
+          <p:cNvPicPr/>
+          <p:nvPr/>
+        </p:nvPicPr>
+        <p:blipFill>
+          <a:blip r:embed="rId2"/>
+          <a:stretch/>
+        </p:blipFill>
+        <p:spPr>
+          <a:xfrm>
+            <a:off x="822960" y="2229120"/>
+            <a:ext cx="3456360" cy="1427760"/>
+          </a:xfrm>
+          <a:prstGeom prst="rect">
+            <a:avLst/>
+          </a:prstGeom>
+          <a:ln>
+            <a:noFill/>
+          </a:ln>
+        </p:spPr>
+      </p:pic>
+      <p:pic>
+        <p:nvPicPr>
+          <p:cNvPr id="89" name="Picture 88"/>
+          <p:cNvPicPr/>
+          <p:nvPr/>
+        </p:nvPicPr>
+        <p:blipFill>
+          <a:blip r:embed="rId3"/>
+          <a:stretch/>
+        </p:blipFill>
+        <p:spPr>
+          <a:xfrm>
+            <a:off x="5943600" y="1371600"/>
+            <a:ext cx="5558760" cy="4388040"/>
+          </a:xfrm>
+          <a:prstGeom prst="rect">
+            <a:avLst/>
+          </a:prstGeom>
+          <a:ln>
+            <a:noFill/>
+          </a:ln>
+        </p:spPr>
+      </p:pic>
+      <p:sp>
+        <p:nvSpPr>
+          <p:cNvPr id="90" name="CustomShape 2"/>
           <p:cNvSpPr/>
           <p:nvPr/>
         </p:nvSpPr>
         <p:spPr>
           <a:xfrm>
-            <a:off x="457200" y="182880"/>
-            <a:ext cx="10514520" cy="1324440"/>
-          </a:xfrm>
-          <a:prstGeom prst="rect">
+            <a:off x="1280160" y="3017520"/>
+            <a:ext cx="913680" cy="913680"/>
+          </a:xfrm>
+          <a:prstGeom prst="ellipse">
             <a:avLst/>
           </a:prstGeom>
           <a:noFill/>
-          <a:ln>
-            <a:noFill/>
+          <a:ln w="29160">
+            <a:solidFill>
+              <a:srgbClr val="ED1C24"/>
+            </a:solidFill>
+            <a:round/>
           </a:ln>
         </p:spPr>
         <p:style>
@@ -5260,86 +8897,16 @@
           </a:effectRef>
           <a:fontRef idx="minor"/>
         </p:style>
-        <p:txBody>
-          <a:bodyPr lIns="0" tIns="0" rIns="0" bIns="0" anchor="ctr"/>
-          <a:lstStyle/>
-          <a:p>
-            <a:pPr>
-              <a:lnSpc>
-                <a:spcPct val="100000"/>
-              </a:lnSpc>
-            </a:pPr>
-            <a:r>
-              <a:rPr lang="en-US" sz="2400" b="0" strike="noStrike" spc="-1">
-                <a:solidFill>
-                  <a:srgbClr val="000000"/>
-                </a:solidFill>
-                <a:latin typeface="Calibri"/>
-                <a:ea typeface="DejaVu Sans"/>
-              </a:rPr>
-              <a:t>Step 3. Close SUMO to end the script. Please note that you have to close SUMO to end the script so that output file can be written. </a:t>
-            </a:r>
-            <a:endParaRPr lang="en-US" sz="2400" b="0" strike="noStrike" spc="-1">
-              <a:latin typeface="Arial"/>
-            </a:endParaRPr>
-          </a:p>
-        </p:txBody>
-      </p:sp>
-      <p:pic>
-        <p:nvPicPr>
-          <p:cNvPr id="88" name="Picture 87"/>
-          <p:cNvPicPr/>
-          <p:nvPr/>
-        </p:nvPicPr>
-        <p:blipFill>
-          <a:blip r:embed="rId2"/>
-          <a:stretch/>
-        </p:blipFill>
-        <p:spPr>
-          <a:xfrm>
-            <a:off x="822960" y="2229120"/>
-            <a:ext cx="3456360" cy="1427760"/>
-          </a:xfrm>
-          <a:prstGeom prst="rect">
-            <a:avLst/>
-          </a:prstGeom>
-          <a:ln>
-            <a:noFill/>
-          </a:ln>
-        </p:spPr>
-      </p:pic>
-      <p:pic>
-        <p:nvPicPr>
-          <p:cNvPr id="89" name="Picture 88"/>
-          <p:cNvPicPr/>
-          <p:nvPr/>
-        </p:nvPicPr>
-        <p:blipFill>
-          <a:blip r:embed="rId3"/>
-          <a:stretch/>
-        </p:blipFill>
-        <p:spPr>
-          <a:xfrm>
-            <a:off x="5943600" y="1371600"/>
-            <a:ext cx="5558760" cy="4388040"/>
-          </a:xfrm>
-          <a:prstGeom prst="rect">
-            <a:avLst/>
-          </a:prstGeom>
-          <a:ln>
-            <a:noFill/>
-          </a:ln>
-        </p:spPr>
-      </p:pic>
-      <p:sp>
-        <p:nvSpPr>
-          <p:cNvPr id="90" name="CustomShape 2"/>
+      </p:sp>
+      <p:sp>
+        <p:nvSpPr>
+          <p:cNvPr id="91" name="CustomShape 3"/>
           <p:cNvSpPr/>
           <p:nvPr/>
         </p:nvSpPr>
         <p:spPr>
           <a:xfrm>
-            <a:off x="1280160" y="3017520"/>
+            <a:off x="1280520" y="3017880"/>
             <a:ext cx="913680" cy="913680"/>
           </a:xfrm>
           <a:prstGeom prst="ellipse">
@@ -5368,14 +8935,14 @@
       </p:sp>
       <p:sp>
         <p:nvSpPr>
-          <p:cNvPr id="91" name="CustomShape 3"/>
+          <p:cNvPr id="92" name="CustomShape 4"/>
           <p:cNvSpPr/>
           <p:nvPr/>
         </p:nvSpPr>
         <p:spPr>
           <a:xfrm>
-            <a:off x="1280520" y="3017880"/>
-            <a:ext cx="913680" cy="913680"/>
+            <a:off x="11155680" y="1097280"/>
+            <a:ext cx="730800" cy="639360"/>
           </a:xfrm>
           <a:prstGeom prst="ellipse">
             <a:avLst/>
@@ -5403,24 +8970,27 @@
       </p:sp>
       <p:sp>
         <p:nvSpPr>
-          <p:cNvPr id="92" name="CustomShape 4"/>
+          <p:cNvPr id="3" name="CustomShape 1">
+            <a:extLst>
+              <a:ext uri="{FF2B5EF4-FFF2-40B4-BE49-F238E27FC236}">
+                <a16:creationId xmlns:a16="http://schemas.microsoft.com/office/drawing/2014/main" id="{5B827837-0835-98EB-8DCC-3F98C4638A15}"/>
+              </a:ext>
+            </a:extLst>
+          </p:cNvPr>
           <p:cNvSpPr/>
           <p:nvPr/>
         </p:nvSpPr>
         <p:spPr>
           <a:xfrm>
-            <a:off x="11155680" y="1097280"/>
-            <a:ext cx="730800" cy="639360"/>
-          </a:xfrm>
-          <a:prstGeom prst="ellipse">
+            <a:off x="457200" y="182880"/>
+            <a:ext cx="10514520" cy="1324440"/>
+          </a:xfrm>
+          <a:prstGeom prst="rect">
             <a:avLst/>
           </a:prstGeom>
           <a:noFill/>
-          <a:ln w="29160">
-            <a:solidFill>
-              <a:srgbClr val="ED1C24"/>
-            </a:solidFill>
-            <a:round/>
+          <a:ln>
+            <a:noFill/>
           </a:ln>
         </p:spPr>
         <p:style>
@@ -5435,6 +9005,55 @@
           </a:effectRef>
           <a:fontRef idx="minor"/>
         </p:style>
+        <p:txBody>
+          <a:bodyPr lIns="0" tIns="0" rIns="0" bIns="0" anchor="ctr"/>
+          <a:lstStyle/>
+          <a:p>
+            <a:r>
+              <a:rPr lang="en-US" sz="2400" b="0" strike="noStrike" spc="-1" dirty="0">
+                <a:solidFill>
+                  <a:srgbClr val="000000"/>
+                </a:solidFill>
+                <a:latin typeface="Calibri"/>
+                <a:ea typeface="DejaVu Sans"/>
+              </a:rPr>
+              <a:t>Step 3. </a:t>
+            </a:r>
+            <a:r>
+              <a:rPr lang="en-US" sz="2400" spc="-1" dirty="0">
+                <a:solidFill>
+                  <a:srgbClr val="000000"/>
+                </a:solidFill>
+                <a:latin typeface="Calibri"/>
+                <a:ea typeface="DejaVu Sans"/>
+              </a:rPr>
+              <a:t>Once simulation ends, close </a:t>
+            </a:r>
+            <a:r>
+              <a:rPr lang="en-US" sz="2400" b="0" strike="noStrike" spc="-1" dirty="0">
+                <a:solidFill>
+                  <a:srgbClr val="000000"/>
+                </a:solidFill>
+                <a:latin typeface="Calibri"/>
+                <a:ea typeface="DejaVu Sans"/>
+              </a:rPr>
+              <a:t>SUMO to end the script. Please note that you have to close SUMO to end the script so that output file can be written.</a:t>
+            </a:r>
+            <a:r>
+              <a:rPr lang="en-US" sz="2400" spc="-1" dirty="0">
+                <a:solidFill>
+                  <a:srgbClr val="000000"/>
+                </a:solidFill>
+                <a:latin typeface="Calibri"/>
+                <a:ea typeface="DejaVu Sans"/>
+              </a:rPr>
+              <a:t> </a:t>
+            </a:r>
+            <a:endParaRPr lang="en-US" sz="2400" b="0" strike="noStrike" spc="-1">
+              <a:latin typeface="Arial"/>
+            </a:endParaRPr>
+          </a:p>
+        </p:txBody>
       </p:sp>
     </p:spTree>
   </p:cSld>
@@ -5529,17 +9148,57 @@
               </a:lnSpc>
             </a:pPr>
             <a:r>
-              <a:rPr lang="en-US" sz="2400" b="0" strike="noStrike" spc="-1">
+              <a:rPr lang="en-US" sz="2400" b="0" strike="noStrike" spc="-1" dirty="0">
                 <a:solidFill>
                   <a:srgbClr val="000000"/>
                 </a:solidFill>
                 <a:latin typeface="Calibri Light"/>
                 <a:ea typeface="DejaVu Sans"/>
               </a:rPr>
-              <a:t>Step 4. Investigating the results. In this example, input trajectory is a straight line. The results show that the actual output trajectory matches the input trajectory. Please note that the output file is in xml format. For how to convert it from xml to csv,please see the document "</a:t>
-            </a:r>
-            <a:r>
-              <a:rPr lang="en-US" sz="2400" b="0" u="sng" strike="noStrike" spc="-1">
+              <a:t>Step 4. Investigating the results. In this example, input trajectory is </a:t>
+            </a:r>
+            <a:r>
+              <a:rPr lang="en-US" sz="2400" b="1" strike="noStrike" spc="-1" dirty="0">
+                <a:solidFill>
+                  <a:srgbClr val="000000"/>
+                </a:solidFill>
+                <a:latin typeface="Calibri Light"/>
+                <a:ea typeface="DejaVu Sans"/>
+              </a:rPr>
+              <a:t>a straight line</a:t>
+            </a:r>
+            <a:r>
+              <a:rPr lang="en-US" sz="2400" b="0" strike="noStrike" spc="-1" dirty="0">
+                <a:solidFill>
+                  <a:srgbClr val="000000"/>
+                </a:solidFill>
+                <a:latin typeface="Calibri Light"/>
+                <a:ea typeface="DejaVu Sans"/>
+              </a:rPr>
+              <a:t>. The results show that the actual output trajectory matches the input trajectory. Please note that the output file is in xml format. For how to convert it from xml to </a:t>
+            </a:r>
+            <a:r>
+              <a:rPr lang="en-US" sz="2400" b="0" strike="noStrike" spc="-1" dirty="0" err="1">
+                <a:solidFill>
+                  <a:srgbClr val="000000"/>
+                </a:solidFill>
+                <a:latin typeface="Calibri Light"/>
+                <a:ea typeface="DejaVu Sans"/>
+              </a:rPr>
+              <a:t>csv,please</a:t>
+            </a:r>
+            <a:r>
+              <a:rPr lang="en-US" sz="2400" b="0" strike="noStrike" spc="-1" dirty="0">
+                <a:solidFill>
+                  <a:srgbClr val="000000"/>
+                </a:solidFill>
+                <a:latin typeface="Calibri Light"/>
+                <a:ea typeface="DejaVu Sans"/>
+              </a:rPr>
+              <a:t> see the document "</a:t>
+            </a:r>
+            <a:r>
+              <a:rPr lang="en-US" sz="2400" b="0" u="sng" strike="noStrike" spc="-1" dirty="0">
                 <a:solidFill>
                   <a:srgbClr val="0563C1"/>
                 </a:solidFill>
@@ -5551,7 +9210,7 @@
               <a:t>How to export SUMO simulation results.pptx</a:t>
             </a:r>
             <a:r>
-              <a:rPr lang="en-US" sz="3200" b="0" strike="noStrike" spc="-1">
+              <a:rPr lang="en-US" sz="3200" b="0" strike="noStrike" spc="-1" dirty="0">
                 <a:solidFill>
                   <a:srgbClr val="000000"/>
                 </a:solidFill>
@@ -5560,7 +9219,7 @@
               </a:rPr>
               <a:t>"</a:t>
             </a:r>
-            <a:endParaRPr lang="en-US" sz="3200" b="0" strike="noStrike" spc="-1">
+            <a:endParaRPr lang="en-US" sz="3200" b="0" strike="noStrike" spc="-1" dirty="0">
               <a:latin typeface="Arial"/>
             </a:endParaRPr>
           </a:p>
@@ -5578,8 +9237,8 @@
         </p:blipFill>
         <p:spPr>
           <a:xfrm>
-            <a:off x="2896560" y="1920240"/>
-            <a:ext cx="6463800" cy="4845600"/>
+            <a:off x="146103" y="1862183"/>
+            <a:ext cx="5135743" cy="4199715"/>
           </a:xfrm>
           <a:prstGeom prst="rect">
             <a:avLst/>
@@ -5587,6 +9246,74 @@
           <a:ln>
             <a:noFill/>
           </a:ln>
+        </p:spPr>
+      </p:pic>
+      <p:sp>
+        <p:nvSpPr>
+          <p:cNvPr id="3" name="TextBox 2">
+            <a:extLst>
+              <a:ext uri="{FF2B5EF4-FFF2-40B4-BE49-F238E27FC236}">
+                <a16:creationId xmlns:a16="http://schemas.microsoft.com/office/drawing/2014/main" id="{7CB998CC-9BF1-443E-5319-F55CACFB60D4}"/>
+              </a:ext>
+            </a:extLst>
+          </p:cNvPr>
+          <p:cNvSpPr txBox="1"/>
+          <p:nvPr/>
+        </p:nvSpPr>
+        <p:spPr>
+          <a:xfrm>
+            <a:off x="6991161" y="4610817"/>
+            <a:ext cx="2743200" cy="369332"/>
+          </a:xfrm>
+          <a:prstGeom prst="rect">
+            <a:avLst/>
+          </a:prstGeom>
+          <a:noFill/>
+        </p:spPr>
+        <p:txBody>
+          <a:bodyPr rot="0" spcFirstLastPara="0" vertOverflow="overflow" horzOverflow="overflow" vert="horz" wrap="square" lIns="91440" tIns="45720" rIns="91440" bIns="45720" numCol="1" spcCol="0" rtlCol="0" fromWordArt="0" anchor="t" anchorCtr="0" forceAA="0" compatLnSpc="1">
+            <a:prstTxWarp prst="textNoShape">
+              <a:avLst/>
+            </a:prstTxWarp>
+            <a:spAutoFit/>
+          </a:bodyPr>
+          <a:lstStyle/>
+          <a:p>
+            <a:r>
+              <a:rPr lang="en-US" dirty="0"/>
+              <a:t>Simulated road in SUMO</a:t>
+            </a:r>
+          </a:p>
+        </p:txBody>
+      </p:sp>
+      <p:pic>
+        <p:nvPicPr>
+          <p:cNvPr id="4" name="Picture 4" descr="Shape, rectangle&#10;&#10;Description automatically generated">
+            <a:extLst>
+              <a:ext uri="{FF2B5EF4-FFF2-40B4-BE49-F238E27FC236}">
+                <a16:creationId xmlns:a16="http://schemas.microsoft.com/office/drawing/2014/main" id="{DFEA6B68-7899-C996-95BB-A9A932B300A8}"/>
+              </a:ext>
+            </a:extLst>
+          </p:cNvPr>
+          <p:cNvPicPr>
+            <a:picLocks noChangeAspect="1"/>
+          </p:cNvPicPr>
+          <p:nvPr/>
+        </p:nvPicPr>
+        <p:blipFill>
+          <a:blip r:embed="rId4"/>
+          <a:stretch>
+            <a:fillRect/>
+          </a:stretch>
+        </p:blipFill>
+        <p:spPr>
+          <a:xfrm>
+            <a:off x="5433237" y="3523298"/>
+            <a:ext cx="6618176" cy="408007"/>
+          </a:xfrm>
+          <a:prstGeom prst="rect">
+            <a:avLst/>
+          </a:prstGeom>
         </p:spPr>
       </p:pic>
     </p:spTree>
@@ -5643,13 +9370,13 @@
       </p:grpSpPr>
       <p:sp>
         <p:nvSpPr>
-          <p:cNvPr id="95" name="CustomShape 1"/>
+          <p:cNvPr id="79" name="CustomShape 1"/>
           <p:cNvSpPr/>
           <p:nvPr/>
         </p:nvSpPr>
         <p:spPr>
           <a:xfrm>
-            <a:off x="838080" y="365040"/>
+            <a:off x="234380" y="-1050"/>
             <a:ext cx="10514520" cy="1324440"/>
           </a:xfrm>
           <a:prstGeom prst="rect">
@@ -5682,30 +9409,37 @@
               </a:lnSpc>
             </a:pPr>
             <a:r>
-              <a:rPr lang="en-US" sz="4400" b="0" strike="noStrike" spc="-1">
+              <a:rPr lang="en-US" sz="3000" spc="-1" dirty="0">
                 <a:solidFill>
                   <a:srgbClr val="000000"/>
                 </a:solidFill>
-                <a:latin typeface="Calibri Light"/>
-                <a:ea typeface="DejaVu Sans"/>
-              </a:rPr>
-              <a:t>Files used in this document can be found:</a:t>
-            </a:r>
-            <a:endParaRPr lang="en-US" sz="4400" b="0" strike="noStrike" spc="-1">
-              <a:latin typeface="Arial"/>
-            </a:endParaRPr>
-          </a:p>
-        </p:txBody>
-      </p:sp>
-      <p:sp>
-        <p:nvSpPr>
-          <p:cNvPr id="96" name="CustomShape 2"/>
+                <a:latin typeface="Calibri"/>
+              </a:rPr>
+              <a:t>Example 2: </a:t>
+            </a:r>
+            <a:r>
+              <a:rPr lang="en-US" sz="3000" spc="-1" dirty="0">
+                <a:latin typeface="Calibri"/>
+                <a:ea typeface="+mn-lt"/>
+                <a:cs typeface="+mn-lt"/>
+              </a:rPr>
+              <a:t>commanded a simple curved trajectory to an AV. Test description is below.</a:t>
+            </a:r>
+            <a:endParaRPr lang="en-US" sz="3000" b="0" strike="noStrike" spc="-1">
+              <a:latin typeface="Calibri"/>
+            </a:endParaRPr>
+          </a:p>
+        </p:txBody>
+      </p:sp>
+      <p:sp>
+        <p:nvSpPr>
+          <p:cNvPr id="80" name="CustomShape 2"/>
           <p:cNvSpPr/>
           <p:nvPr/>
         </p:nvSpPr>
         <p:spPr>
           <a:xfrm>
-            <a:off x="838080" y="1825560"/>
+            <a:off x="752684" y="1135819"/>
             <a:ext cx="10514520" cy="4350240"/>
           </a:xfrm>
           <a:prstGeom prst="rect">
@@ -5729,12 +9463,12 @@
           <a:fontRef idx="minor"/>
         </p:style>
         <p:txBody>
-          <a:bodyPr lIns="90000" tIns="45000" rIns="90000" bIns="45000">
-            <a:normAutofit/>
+          <a:bodyPr lIns="90000" tIns="45000" rIns="90000" bIns="45000" anchor="t">
+            <a:noAutofit/>
           </a:bodyPr>
           <a:lstStyle/>
           <a:p>
-            <a:pPr marL="228600" indent="-227520">
+            <a:pPr marL="228600" indent="-227330">
               <a:lnSpc>
                 <a:spcPct val="90000"/>
               </a:lnSpc>
@@ -5748,33 +9482,90 @@
               <a:buChar char="•"/>
             </a:pPr>
             <a:r>
-              <a:rPr lang="en-US" sz="2800" b="0" strike="noStrike" spc="-1">
+              <a:rPr lang="en-US" sz="2000" b="0" strike="noStrike" spc="-1" dirty="0">
                 <a:solidFill>
                   <a:srgbClr val="000000"/>
                 </a:solidFill>
                 <a:latin typeface="Calibri"/>
                 <a:ea typeface="DejaVu Sans"/>
               </a:rPr>
-              <a:t>Data files can be found: </a:t>
-            </a:r>
-            <a:r>
-              <a:rPr lang="en-US" sz="2800" b="0" u="sng" strike="noStrike" spc="-1">
-                <a:solidFill>
-                  <a:srgbClr val="0563C1"/>
-                </a:solidFill>
-                <a:uFillTx/>
+              <a:t>Input:</a:t>
+            </a:r>
+            <a:endParaRPr lang="en-US" sz="2000" b="0" strike="noStrike" spc="-1">
+              <a:latin typeface="Calibri"/>
+            </a:endParaRPr>
+          </a:p>
+          <a:p>
+            <a:pPr marL="685800" lvl="1" indent="-227330">
+              <a:lnSpc>
+                <a:spcPct val="90000"/>
+              </a:lnSpc>
+              <a:spcBef>
+                <a:spcPts val="499"/>
+              </a:spcBef>
+              <a:buClr>
+                <a:srgbClr val="000000"/>
+              </a:buClr>
+              <a:buFont typeface="Arial"/>
+              <a:buChar char="•"/>
+            </a:pPr>
+            <a:r>
+              <a:rPr lang="en-US" sz="2000" b="0" strike="noStrike" spc="-1" dirty="0">
+                <a:solidFill>
+                  <a:srgbClr val="000000"/>
+                </a:solidFill>
                 <a:latin typeface="Calibri"/>
-                <a:ea typeface="Calibri"/>
-                <a:hlinkClick r:id="rId2"/>
-              </a:rPr>
-              <a:t>https://github.com/ivsg-psu/TrafficSimulators_GettingStartedWithDifferrentSimulators_GettingStartedWithSUMO/tree/main/Data/HelloSUMO</a:t>
-            </a:r>
-            <a:endParaRPr lang="en-US" sz="2800" b="0" strike="noStrike" spc="-1">
-              <a:latin typeface="Arial"/>
-            </a:endParaRPr>
-          </a:p>
-          <a:p>
-            <a:pPr marL="228600" indent="-227520">
+                <a:ea typeface="DejaVu Sans"/>
+              </a:rPr>
+              <a:t>Commanded trajectory containing x and y in meters</a:t>
+            </a:r>
+            <a:endParaRPr lang="en-US" sz="2000" b="0" strike="noStrike" spc="-1">
+              <a:latin typeface="Calibri"/>
+            </a:endParaRPr>
+          </a:p>
+          <a:p>
+            <a:pPr marL="685800" lvl="1" indent="-227330">
+              <a:lnSpc>
+                <a:spcPct val="90000"/>
+              </a:lnSpc>
+              <a:spcBef>
+                <a:spcPts val="499"/>
+              </a:spcBef>
+              <a:buClr>
+                <a:srgbClr val="000000"/>
+              </a:buClr>
+              <a:buFont typeface="Arial"/>
+              <a:buChar char="•"/>
+            </a:pPr>
+            <a:r>
+              <a:rPr lang="en-US" sz="2000" b="0" strike="noStrike" spc="-1" dirty="0">
+                <a:solidFill>
+                  <a:srgbClr val="000000"/>
+                </a:solidFill>
+                <a:latin typeface="Calibri"/>
+                <a:ea typeface="DejaVu Sans"/>
+              </a:rPr>
+              <a:t>Source data file: </a:t>
+            </a:r>
+            <a:r>
+              <a:rPr lang="en-US" sz="2000" spc="-1" dirty="0">
+                <a:latin typeface="Calibri"/>
+                <a:ea typeface="+mn-lt"/>
+                <a:cs typeface="+mn-lt"/>
+              </a:rPr>
+              <a:t>curvyRoadSimpleTrajectory_Input</a:t>
+            </a:r>
+            <a:r>
+              <a:rPr lang="en-US" sz="2000" b="0" strike="noStrike" spc="-1" dirty="0">
+                <a:latin typeface="Calibri"/>
+                <a:ea typeface="+mn-lt"/>
+                <a:cs typeface="+mn-lt"/>
+              </a:rPr>
+              <a:t>.csv</a:t>
+            </a:r>
+          </a:p>
+          <a:p>
+            <a:pPr marL="228600" indent="-227330">
               <a:lnSpc>
                 <a:spcPct val="90000"/>
               </a:lnSpc>
@@ -5788,33 +9579,95 @@
               <a:buChar char="•"/>
             </a:pPr>
             <a:r>
-              <a:rPr lang="en-US" sz="2800" b="0" strike="noStrike" spc="-1">
+              <a:rPr lang="en-US" sz="2000" b="0" strike="noStrike" spc="-1" dirty="0">
                 <a:solidFill>
                   <a:srgbClr val="000000"/>
                 </a:solidFill>
                 <a:latin typeface="Calibri"/>
-                <a:ea typeface="Calibri"/>
-              </a:rPr>
-              <a:t>Script can be found: </a:t>
-            </a:r>
-            <a:r>
-              <a:rPr lang="en-US" sz="2800" b="0" u="sng" strike="noStrike" spc="-1">
-                <a:solidFill>
-                  <a:srgbClr val="0563C1"/>
-                </a:solidFill>
-                <a:uFillTx/>
+                <a:ea typeface="DejaVu Sans"/>
+              </a:rPr>
+              <a:t>Output:</a:t>
+            </a:r>
+            <a:endParaRPr lang="en-US" sz="2000" b="0" strike="noStrike" spc="-1">
+              <a:latin typeface="Calibri"/>
+            </a:endParaRPr>
+          </a:p>
+          <a:p>
+            <a:pPr marL="685800" lvl="1" indent="-227330">
+              <a:lnSpc>
+                <a:spcPct val="90000"/>
+              </a:lnSpc>
+              <a:spcBef>
+                <a:spcPts val="499"/>
+              </a:spcBef>
+              <a:buClr>
+                <a:srgbClr val="000000"/>
+              </a:buClr>
+              <a:buFont typeface="Arial"/>
+              <a:buChar char="•"/>
+            </a:pPr>
+            <a:r>
+              <a:rPr lang="en-US" sz="2000" b="0" strike="noStrike" spc="-1" dirty="0">
+                <a:solidFill>
+                  <a:srgbClr val="000000"/>
+                </a:solidFill>
                 <a:latin typeface="Calibri"/>
-                <a:ea typeface="Calibri"/>
-                <a:hlinkClick r:id="rId3"/>
-              </a:rPr>
-              <a:t>https://github.com/ivsg-psu/TrafficSimulators_GettingStartedWithDifferrentSimulators_GettingStartedWithSUMO/tree/main/Code</a:t>
-            </a:r>
-            <a:endParaRPr lang="en-US" sz="2800" b="0" strike="noStrike" spc="-1">
-              <a:latin typeface="Arial"/>
-            </a:endParaRPr>
-          </a:p>
-          <a:p>
-            <a:pPr marL="228600" indent="-227520">
+                <a:ea typeface="DejaVu Sans"/>
+              </a:rPr>
+              <a:t>Actual trajectory containing x and y in meters.</a:t>
+            </a:r>
+            <a:endParaRPr lang="en-US" sz="2000" b="0" strike="noStrike" spc="-1">
+              <a:latin typeface="Calibri"/>
+            </a:endParaRPr>
+          </a:p>
+          <a:p>
+            <a:pPr marL="685800" lvl="1" indent="-227330">
+              <a:lnSpc>
+                <a:spcPct val="90000"/>
+              </a:lnSpc>
+              <a:spcBef>
+                <a:spcPts val="499"/>
+              </a:spcBef>
+              <a:buClr>
+                <a:srgbClr val="000000"/>
+              </a:buClr>
+              <a:buFont typeface="Arial"/>
+              <a:buChar char="•"/>
+            </a:pPr>
+            <a:r>
+              <a:rPr lang="en-US" sz="2000" b="0" strike="noStrike" spc="-1" dirty="0">
+                <a:solidFill>
+                  <a:srgbClr val="000000"/>
+                </a:solidFill>
+                <a:latin typeface="Calibri"/>
+                <a:ea typeface="DejaVu Sans"/>
+              </a:rPr>
+              <a:t>Source data file: </a:t>
+            </a:r>
+            <a:r>
+              <a:rPr lang="en-US" sz="2000" spc="-1" dirty="0">
+                <a:latin typeface="Calibri"/>
+                <a:ea typeface="+mn-lt"/>
+                <a:cs typeface="+mn-lt"/>
+              </a:rPr>
+              <a:t>curvyRoadSimpleTrajectory_Output</a:t>
+            </a:r>
+            <a:r>
+              <a:rPr lang="en-US" sz="2000" b="0" strike="noStrike" spc="-1" dirty="0">
+                <a:solidFill>
+                  <a:srgbClr val="000000"/>
+                </a:solidFill>
+                <a:latin typeface="Calibri"/>
+                <a:ea typeface="DejaVu Sans"/>
+              </a:rPr>
+              <a:t>.csv</a:t>
+            </a:r>
+            <a:endParaRPr lang="en-US" sz="2000" b="0" strike="noStrike" spc="-1">
+              <a:latin typeface="Calibri"/>
+            </a:endParaRPr>
+          </a:p>
+          <a:p>
+            <a:pPr marL="228600" indent="-227330">
               <a:lnSpc>
                 <a:spcPct val="90000"/>
               </a:lnSpc>
@@ -5828,21 +9681,105 @@
               <a:buChar char="•"/>
             </a:pPr>
             <a:r>
-              <a:rPr lang="en-US" sz="2800" b="0" strike="noStrike" spc="-1">
+              <a:rPr lang="en-US" sz="2000" b="0" strike="noStrike" spc="-1" dirty="0">
+                <a:solidFill>
+                  <a:srgbClr val="000000"/>
+                </a:solidFill>
+                <a:latin typeface="Calibri"/>
+                <a:ea typeface="DejaVu Sans"/>
+              </a:rPr>
+              <a:t>Script used:</a:t>
+            </a:r>
+            <a:endParaRPr lang="en-US" sz="2000" b="0" strike="noStrike" spc="-1">
+              <a:latin typeface="Calibri"/>
+            </a:endParaRPr>
+          </a:p>
+          <a:p>
+            <a:pPr marL="685800" lvl="1" indent="-227330">
+              <a:lnSpc>
+                <a:spcPct val="100000"/>
+              </a:lnSpc>
+              <a:spcBef>
+                <a:spcPts val="1134"/>
+              </a:spcBef>
+              <a:buClr>
+                <a:srgbClr val="000000"/>
+              </a:buClr>
+              <a:buFont typeface="Arial"/>
+              <a:buChar char="•"/>
+            </a:pPr>
+            <a:r>
+              <a:rPr lang="en-US" sz="2000" b="0" strike="noStrike" spc="-1" dirty="0">
                 <a:solidFill>
                   <a:srgbClr val="000000"/>
                 </a:solidFill>
                 <a:latin typeface="Calibri"/>
                 <a:ea typeface="Calibri"/>
               </a:rPr>
-              <a:t>For more information, please see:</a:t>
-            </a:r>
-            <a:endParaRPr lang="en-US" sz="2800" b="0" strike="noStrike" spc="-1">
-              <a:latin typeface="Arial"/>
-            </a:endParaRPr>
-          </a:p>
-          <a:p>
-            <a:pPr marL="685800" lvl="1" indent="-227520">
+              <a:t>script_testFcn_fcn_CommandVehTrajectory.py</a:t>
+            </a:r>
+            <a:endParaRPr lang="en-US" sz="2000" b="0" strike="noStrike" spc="-1">
+              <a:latin typeface="Calibri"/>
+            </a:endParaRPr>
+          </a:p>
+          <a:p>
+            <a:pPr marL="685800" lvl="1" indent="-227330">
+              <a:lnSpc>
+                <a:spcPct val="100000"/>
+              </a:lnSpc>
+              <a:spcBef>
+                <a:spcPts val="1134"/>
+              </a:spcBef>
+              <a:buClr>
+                <a:srgbClr val="000000"/>
+              </a:buClr>
+              <a:buFont typeface="Arial"/>
+              <a:buChar char="•"/>
+            </a:pPr>
+            <a:r>
+              <a:rPr lang="en-US" sz="2000" b="0" strike="noStrike" spc="-1" dirty="0">
+                <a:solidFill>
+                  <a:srgbClr val="000000"/>
+                </a:solidFill>
+                <a:latin typeface="Calibri"/>
+                <a:ea typeface="Calibri"/>
+              </a:rPr>
+              <a:t>fcn_CommandVehTrajectory.py</a:t>
+            </a:r>
+            <a:endParaRPr lang="en-US" sz="2000" b="0" strike="noStrike" spc="-1">
+              <a:latin typeface="Calibri"/>
+            </a:endParaRPr>
+          </a:p>
+          <a:p>
+            <a:pPr marL="228600" indent="-227330">
+              <a:lnSpc>
+                <a:spcPct val="90000"/>
+              </a:lnSpc>
+              <a:spcBef>
+                <a:spcPts val="1001"/>
+              </a:spcBef>
+              <a:buClr>
+                <a:srgbClr val="000000"/>
+              </a:buClr>
+              <a:buFont typeface="Arial"/>
+              <a:buChar char="•"/>
+            </a:pPr>
+            <a:r>
+              <a:rPr lang="en-US" sz="2000" b="0" strike="noStrike" spc="-1" dirty="0">
+                <a:solidFill>
+                  <a:srgbClr val="000000"/>
+                </a:solidFill>
+                <a:latin typeface="Calibri"/>
+                <a:ea typeface="Calibri"/>
+              </a:rPr>
+              <a:t>Other data files used:</a:t>
+            </a:r>
+            <a:endParaRPr lang="en-US" sz="2000" b="0" strike="noStrike" spc="-1">
+              <a:latin typeface="Calibri"/>
+            </a:endParaRPr>
+          </a:p>
+          <a:p>
+            <a:pPr marL="685800" lvl="1" indent="-227330">
               <a:lnSpc>
                 <a:spcPct val="90000"/>
               </a:lnSpc>
@@ -5856,23 +9793,39 @@
               <a:buChar char="•"/>
             </a:pPr>
             <a:r>
-              <a:rPr lang="en-US" sz="2400" b="0" u="sng" strike="noStrike" spc="-1">
-                <a:solidFill>
-                  <a:srgbClr val="0563C1"/>
-                </a:solidFill>
-                <a:uFillTx/>
+              <a:rPr lang="en-US" sz="2000" spc="-1" dirty="0" err="1">
+                <a:latin typeface="Calibri"/>
+                <a:ea typeface="+mn-lt"/>
+                <a:cs typeface="+mn-lt"/>
+              </a:rPr>
+              <a:t>curvyRoadSimpleTrajectory</a:t>
+            </a:r>
+            <a:r>
+              <a:rPr lang="en-US" sz="2000" b="0" strike="noStrike" spc="-1" dirty="0" err="1">
+                <a:solidFill>
+                  <a:srgbClr val="000000"/>
+                </a:solidFill>
                 <a:latin typeface="Calibri"/>
                 <a:ea typeface="Calibri"/>
-                <a:hlinkClick r:id="rId4"/>
-              </a:rPr>
-              <a:t>https://sumo.dlr.de/docs/TraCI.html</a:t>
-            </a:r>
-            <a:endParaRPr lang="en-US" sz="2400" b="0" strike="noStrike" spc="-1">
-              <a:latin typeface="Arial"/>
-            </a:endParaRPr>
-          </a:p>
-          <a:p>
-            <a:pPr marL="685800" lvl="1" indent="-227520">
+              </a:rPr>
+              <a:t>.sumocfg</a:t>
+            </a:r>
+            <a:r>
+              <a:rPr lang="en-US" sz="2000" b="0" strike="noStrike" spc="-1" dirty="0">
+                <a:solidFill>
+                  <a:srgbClr val="000000"/>
+                </a:solidFill>
+                <a:latin typeface="Calibri"/>
+                <a:ea typeface="Calibri"/>
+              </a:rPr>
+              <a:t> - this runs the simulation</a:t>
+            </a:r>
+            <a:endParaRPr lang="en-US" sz="2000" b="0" strike="noStrike" spc="-1">
+              <a:latin typeface="Calibri"/>
+            </a:endParaRPr>
+          </a:p>
+          <a:p>
+            <a:pPr marL="685800" lvl="1" indent="-227330">
               <a:lnSpc>
                 <a:spcPct val="90000"/>
               </a:lnSpc>
@@ -5886,22 +9839,89 @@
               <a:buChar char="•"/>
             </a:pPr>
             <a:r>
-              <a:rPr lang="en-US" sz="2400" b="0" strike="noStrike" spc="-1">
+              <a:rPr lang="en-US" sz="2000" spc="-1" dirty="0">
+                <a:latin typeface="Calibri"/>
+                <a:ea typeface="+mn-lt"/>
+                <a:cs typeface="+mn-lt"/>
+              </a:rPr>
+              <a:t>curvyRoadSimpleTrajectory</a:t>
+            </a:r>
+            <a:r>
+              <a:rPr lang="en-US" sz="2000" b="0" strike="noStrike" spc="-1" dirty="0">
                 <a:solidFill>
                   <a:srgbClr val="000000"/>
                 </a:solidFill>
                 <a:latin typeface="Calibri"/>
                 <a:ea typeface="Calibri"/>
               </a:rPr>
-              <a:t>https://sumo.dlr.de/docs/TraCI/Change_Vehicle_State.html</a:t>
-            </a:r>
-            <a:endParaRPr lang="en-US" sz="2400" b="0" strike="noStrike" spc="-1">
-              <a:latin typeface="Arial"/>
+              <a:t>.net.xml -  this describes SUMO road network </a:t>
+            </a:r>
+            <a:endParaRPr lang="en-US" sz="2000" b="0" strike="noStrike" spc="-1">
+              <a:latin typeface="Calibri"/>
+            </a:endParaRPr>
+          </a:p>
+          <a:p>
+            <a:pPr marL="685800" lvl="1" indent="-227330">
+              <a:lnSpc>
+                <a:spcPct val="90000"/>
+              </a:lnSpc>
+              <a:spcBef>
+                <a:spcPts val="499"/>
+              </a:spcBef>
+              <a:buClr>
+                <a:srgbClr val="000000"/>
+              </a:buClr>
+              <a:buFont typeface="Arial"/>
+              <a:buChar char="•"/>
+            </a:pPr>
+            <a:r>
+              <a:rPr lang="en-US" sz="2000" spc="-1" dirty="0">
+                <a:latin typeface="Calibri"/>
+                <a:ea typeface="+mn-lt"/>
+                <a:cs typeface="+mn-lt"/>
+              </a:rPr>
+              <a:t>curvyRoadSimpleTrajectory</a:t>
+            </a:r>
+            <a:r>
+              <a:rPr lang="en-US" sz="2000" b="0" strike="noStrike" spc="-1" dirty="0">
+                <a:solidFill>
+                  <a:srgbClr val="000000"/>
+                </a:solidFill>
+                <a:latin typeface="Calibri"/>
+                <a:ea typeface="Calibri"/>
+              </a:rPr>
+              <a:t>.rou.xml - this describes simulation route </a:t>
+            </a:r>
+            <a:endParaRPr lang="en-US" sz="2000" b="0" strike="noStrike" spc="-1">
+              <a:latin typeface="Calibri"/>
+            </a:endParaRPr>
+          </a:p>
+          <a:p>
+            <a:pPr marL="685800" lvl="1" indent="-227330">
+              <a:lnSpc>
+                <a:spcPct val="90000"/>
+              </a:lnSpc>
+              <a:spcBef>
+                <a:spcPts val="499"/>
+              </a:spcBef>
+              <a:buClr>
+                <a:srgbClr val="000000"/>
+              </a:buClr>
+              <a:buFont typeface="Arial"/>
+              <a:buChar char="•"/>
+            </a:pPr>
+            <a:endParaRPr lang="en-US" sz="2000" b="0" strike="noStrike" spc="-1" dirty="0">
+              <a:latin typeface="Calibri"/>
             </a:endParaRPr>
           </a:p>
         </p:txBody>
       </p:sp>
     </p:spTree>
+    <p:extLst>
+      <p:ext uri="{BB962C8B-B14F-4D97-AF65-F5344CB8AC3E}">
+        <p14:creationId xmlns:p14="http://schemas.microsoft.com/office/powerpoint/2010/main" val="2652689895"/>
+      </p:ext>
+    </p:extLst>
   </p:cSld>
   <p:clrMapOvr>
     <a:masterClrMapping/>
